--- a/Noise_Canceling_Net_project/graph_image/ex2_result.pptx
+++ b/Noise_Canceling_Net_project/graph_image/ex2_result.pptx
@@ -16,6 +16,14 @@
     <p:sldId id="269" r:id="rId10"/>
     <p:sldId id="270" r:id="rId11"/>
     <p:sldId id="271" r:id="rId12"/>
+    <p:sldId id="279" r:id="rId13"/>
+    <p:sldId id="272" r:id="rId14"/>
+    <p:sldId id="273" r:id="rId15"/>
+    <p:sldId id="274" r:id="rId16"/>
+    <p:sldId id="275" r:id="rId17"/>
+    <p:sldId id="276" r:id="rId18"/>
+    <p:sldId id="277" r:id="rId19"/>
+    <p:sldId id="278" r:id="rId20"/>
   </p:sldIdLst>
   <p:sldSz cx="12192000" cy="6858000"/>
   <p:notesSz cx="6858000" cy="9144000"/>
@@ -114,7 +122,16 @@
       </a:defRPr>
     </a:lvl9pPr>
   </p:defaultTextStyle>
+  <p:extLst>
+    <p:ext uri="{EFAFB233-063F-42B5-8137-9DF3F51BA10A}">
+      <p15:sldGuideLst xmlns:p15="http://schemas.microsoft.com/office/powerpoint/2012/main"/>
+    </p:ext>
+  </p:extLst>
 </p:presentation>
+</file>
+
+<file path=ppt/revisionInfo.xml><?xml version="1.0" encoding="utf-8"?>
+<p1510:revInfo xmlns:a="http://schemas.openxmlformats.org/drawingml/2006/main" xmlns:r="http://schemas.openxmlformats.org/officeDocument/2006/relationships" xmlns:p1510="http://schemas.microsoft.com/office/powerpoint/2015/10/main"/>
 </file>
 
 <file path=ppt/slideLayouts/slideLayout1.xml><?xml version="1.0" encoding="utf-8"?>
@@ -264,7 +281,7 @@
           <a:p>
             <a:fld id="{EB883B6F-685D-4399-8B90-62DAD7138CF7}" type="datetimeFigureOut">
               <a:rPr lang="ko-KR" altLang="en-US" smtClean="0"/>
-              <a:t>2018-01-31</a:t>
+              <a:t>2018-02-02</a:t>
             </a:fld>
             <a:endParaRPr lang="ko-KR" altLang="en-US"/>
           </a:p>
@@ -462,7 +479,7 @@
           <a:p>
             <a:fld id="{EB883B6F-685D-4399-8B90-62DAD7138CF7}" type="datetimeFigureOut">
               <a:rPr lang="ko-KR" altLang="en-US" smtClean="0"/>
-              <a:t>2018-01-31</a:t>
+              <a:t>2018-02-02</a:t>
             </a:fld>
             <a:endParaRPr lang="ko-KR" altLang="en-US"/>
           </a:p>
@@ -670,7 +687,7 @@
           <a:p>
             <a:fld id="{EB883B6F-685D-4399-8B90-62DAD7138CF7}" type="datetimeFigureOut">
               <a:rPr lang="ko-KR" altLang="en-US" smtClean="0"/>
-              <a:t>2018-01-31</a:t>
+              <a:t>2018-02-02</a:t>
             </a:fld>
             <a:endParaRPr lang="ko-KR" altLang="en-US"/>
           </a:p>
@@ -868,7 +885,7 @@
           <a:p>
             <a:fld id="{EB883B6F-685D-4399-8B90-62DAD7138CF7}" type="datetimeFigureOut">
               <a:rPr lang="ko-KR" altLang="en-US" smtClean="0"/>
-              <a:t>2018-01-31</a:t>
+              <a:t>2018-02-02</a:t>
             </a:fld>
             <a:endParaRPr lang="ko-KR" altLang="en-US"/>
           </a:p>
@@ -1143,7 +1160,7 @@
           <a:p>
             <a:fld id="{EB883B6F-685D-4399-8B90-62DAD7138CF7}" type="datetimeFigureOut">
               <a:rPr lang="ko-KR" altLang="en-US" smtClean="0"/>
-              <a:t>2018-01-31</a:t>
+              <a:t>2018-02-02</a:t>
             </a:fld>
             <a:endParaRPr lang="ko-KR" altLang="en-US"/>
           </a:p>
@@ -1408,7 +1425,7 @@
           <a:p>
             <a:fld id="{EB883B6F-685D-4399-8B90-62DAD7138CF7}" type="datetimeFigureOut">
               <a:rPr lang="ko-KR" altLang="en-US" smtClean="0"/>
-              <a:t>2018-01-31</a:t>
+              <a:t>2018-02-02</a:t>
             </a:fld>
             <a:endParaRPr lang="ko-KR" altLang="en-US"/>
           </a:p>
@@ -1820,7 +1837,7 @@
           <a:p>
             <a:fld id="{EB883B6F-685D-4399-8B90-62DAD7138CF7}" type="datetimeFigureOut">
               <a:rPr lang="ko-KR" altLang="en-US" smtClean="0"/>
-              <a:t>2018-01-31</a:t>
+              <a:t>2018-02-02</a:t>
             </a:fld>
             <a:endParaRPr lang="ko-KR" altLang="en-US"/>
           </a:p>
@@ -1961,7 +1978,7 @@
           <a:p>
             <a:fld id="{EB883B6F-685D-4399-8B90-62DAD7138CF7}" type="datetimeFigureOut">
               <a:rPr lang="ko-KR" altLang="en-US" smtClean="0"/>
-              <a:t>2018-01-31</a:t>
+              <a:t>2018-02-02</a:t>
             </a:fld>
             <a:endParaRPr lang="ko-KR" altLang="en-US"/>
           </a:p>
@@ -2074,7 +2091,7 @@
           <a:p>
             <a:fld id="{EB883B6F-685D-4399-8B90-62DAD7138CF7}" type="datetimeFigureOut">
               <a:rPr lang="ko-KR" altLang="en-US" smtClean="0"/>
-              <a:t>2018-01-31</a:t>
+              <a:t>2018-02-02</a:t>
             </a:fld>
             <a:endParaRPr lang="ko-KR" altLang="en-US"/>
           </a:p>
@@ -2385,7 +2402,7 @@
           <a:p>
             <a:fld id="{EB883B6F-685D-4399-8B90-62DAD7138CF7}" type="datetimeFigureOut">
               <a:rPr lang="ko-KR" altLang="en-US" smtClean="0"/>
-              <a:t>2018-01-31</a:t>
+              <a:t>2018-02-02</a:t>
             </a:fld>
             <a:endParaRPr lang="ko-KR" altLang="en-US"/>
           </a:p>
@@ -2673,7 +2690,7 @@
           <a:p>
             <a:fld id="{EB883B6F-685D-4399-8B90-62DAD7138CF7}" type="datetimeFigureOut">
               <a:rPr lang="ko-KR" altLang="en-US" smtClean="0"/>
-              <a:t>2018-01-31</a:t>
+              <a:t>2018-02-02</a:t>
             </a:fld>
             <a:endParaRPr lang="ko-KR" altLang="en-US"/>
           </a:p>
@@ -2914,7 +2931,7 @@
           <a:p>
             <a:fld id="{EB883B6F-685D-4399-8B90-62DAD7138CF7}" type="datetimeFigureOut">
               <a:rPr lang="ko-KR" altLang="en-US" smtClean="0"/>
-              <a:t>2018-01-31</a:t>
+              <a:t>2018-02-02</a:t>
             </a:fld>
             <a:endParaRPr lang="ko-KR" altLang="en-US"/>
           </a:p>
@@ -4229,10 +4246,2791 @@
           </a:p>
         </p:txBody>
       </p:sp>
+      <p:pic>
+        <p:nvPicPr>
+          <p:cNvPr id="4" name="그림 3" descr="텍스트이(가) 표시된 사진&#10;&#10;높은 신뢰도로 생성된 설명">
+            <a:extLst>
+              <a:ext uri="{FF2B5EF4-FFF2-40B4-BE49-F238E27FC236}">
+                <a16:creationId xmlns:a16="http://schemas.microsoft.com/office/drawing/2014/main" id="{587D83EB-2649-48B7-8217-F7F02B5605BB}"/>
+              </a:ext>
+            </a:extLst>
+          </p:cNvPr>
+          <p:cNvPicPr>
+            <a:picLocks noChangeAspect="1"/>
+          </p:cNvPicPr>
+          <p:nvPr/>
+        </p:nvPicPr>
+        <p:blipFill>
+          <a:blip r:embed="rId2">
+            <a:extLst>
+              <a:ext uri="{28A0092B-C50C-407E-A947-70E740481C1C}">
+                <a14:useLocalDpi xmlns:a14="http://schemas.microsoft.com/office/drawing/2010/main" val="0"/>
+              </a:ext>
+            </a:extLst>
+          </a:blip>
+          <a:stretch>
+            <a:fillRect/>
+          </a:stretch>
+        </p:blipFill>
+        <p:spPr>
+          <a:xfrm>
+            <a:off x="3088969" y="3485322"/>
+            <a:ext cx="2646000" cy="2520000"/>
+          </a:xfrm>
+          <a:prstGeom prst="rect">
+            <a:avLst/>
+          </a:prstGeom>
+        </p:spPr>
+      </p:pic>
+      <p:pic>
+        <p:nvPicPr>
+          <p:cNvPr id="6" name="그림 5">
+            <a:extLst>
+              <a:ext uri="{FF2B5EF4-FFF2-40B4-BE49-F238E27FC236}">
+                <a16:creationId xmlns:a16="http://schemas.microsoft.com/office/drawing/2014/main" id="{B9F1A8DA-7612-458F-A3C4-1ACAF4C0CFBB}"/>
+              </a:ext>
+            </a:extLst>
+          </p:cNvPr>
+          <p:cNvPicPr>
+            <a:picLocks noChangeAspect="1"/>
+          </p:cNvPicPr>
+          <p:nvPr/>
+        </p:nvPicPr>
+        <p:blipFill>
+          <a:blip r:embed="rId3">
+            <a:extLst>
+              <a:ext uri="{28A0092B-C50C-407E-A947-70E740481C1C}">
+                <a14:useLocalDpi xmlns:a14="http://schemas.microsoft.com/office/drawing/2010/main" val="0"/>
+              </a:ext>
+            </a:extLst>
+          </a:blip>
+          <a:stretch>
+            <a:fillRect/>
+          </a:stretch>
+        </p:blipFill>
+        <p:spPr>
+          <a:xfrm>
+            <a:off x="6221842" y="537021"/>
+            <a:ext cx="2646000" cy="2520000"/>
+          </a:xfrm>
+          <a:prstGeom prst="rect">
+            <a:avLst/>
+          </a:prstGeom>
+        </p:spPr>
+      </p:pic>
+      <p:pic>
+        <p:nvPicPr>
+          <p:cNvPr id="8" name="그림 7" descr="텍스트이(가) 표시된 사진&#10;&#10;높은 신뢰도로 생성된 설명">
+            <a:extLst>
+              <a:ext uri="{FF2B5EF4-FFF2-40B4-BE49-F238E27FC236}">
+                <a16:creationId xmlns:a16="http://schemas.microsoft.com/office/drawing/2014/main" id="{94538C52-085B-403A-AE57-64112969B50B}"/>
+              </a:ext>
+            </a:extLst>
+          </p:cNvPr>
+          <p:cNvPicPr>
+            <a:picLocks noChangeAspect="1"/>
+          </p:cNvPicPr>
+          <p:nvPr/>
+        </p:nvPicPr>
+        <p:blipFill>
+          <a:blip r:embed="rId4">
+            <a:extLst>
+              <a:ext uri="{28A0092B-C50C-407E-A947-70E740481C1C}">
+                <a14:useLocalDpi xmlns:a14="http://schemas.microsoft.com/office/drawing/2010/main" val="0"/>
+              </a:ext>
+            </a:extLst>
+          </a:blip>
+          <a:stretch>
+            <a:fillRect/>
+          </a:stretch>
+        </p:blipFill>
+        <p:spPr>
+          <a:xfrm>
+            <a:off x="3171077" y="537021"/>
+            <a:ext cx="2646000" cy="2520000"/>
+          </a:xfrm>
+          <a:prstGeom prst="rect">
+            <a:avLst/>
+          </a:prstGeom>
+        </p:spPr>
+      </p:pic>
+      <p:pic>
+        <p:nvPicPr>
+          <p:cNvPr id="10" name="그림 9" descr="텍스트이(가) 표시된 사진&#10;&#10;매우 높은 신뢰도로 생성된 설명">
+            <a:extLst>
+              <a:ext uri="{FF2B5EF4-FFF2-40B4-BE49-F238E27FC236}">
+                <a16:creationId xmlns:a16="http://schemas.microsoft.com/office/drawing/2014/main" id="{5309D2C9-8F4B-44C7-9DEC-862CB54EA5D2}"/>
+              </a:ext>
+            </a:extLst>
+          </p:cNvPr>
+          <p:cNvPicPr>
+            <a:picLocks noChangeAspect="1"/>
+          </p:cNvPicPr>
+          <p:nvPr/>
+        </p:nvPicPr>
+        <p:blipFill>
+          <a:blip r:embed="rId5">
+            <a:extLst>
+              <a:ext uri="{28A0092B-C50C-407E-A947-70E740481C1C}">
+                <a14:useLocalDpi xmlns:a14="http://schemas.microsoft.com/office/drawing/2010/main" val="0"/>
+              </a:ext>
+            </a:extLst>
+          </a:blip>
+          <a:stretch>
+            <a:fillRect/>
+          </a:stretch>
+        </p:blipFill>
+        <p:spPr>
+          <a:xfrm>
+            <a:off x="6221842" y="3541646"/>
+            <a:ext cx="2646000" cy="2520000"/>
+          </a:xfrm>
+          <a:prstGeom prst="rect">
+            <a:avLst/>
+          </a:prstGeom>
+        </p:spPr>
+      </p:pic>
     </p:spTree>
     <p:extLst>
       <p:ext uri="{BB962C8B-B14F-4D97-AF65-F5344CB8AC3E}">
         <p14:creationId xmlns:p14="http://schemas.microsoft.com/office/powerpoint/2010/main" val="3502440137"/>
+      </p:ext>
+    </p:extLst>
+  </p:cSld>
+  <p:clrMapOvr>
+    <a:masterClrMapping/>
+  </p:clrMapOvr>
+</p:sld>
+</file>
+
+<file path=ppt/slides/slide12.xml><?xml version="1.0" encoding="utf-8"?>
+<p:sld xmlns:a="http://schemas.openxmlformats.org/drawingml/2006/main" xmlns:r="http://schemas.openxmlformats.org/officeDocument/2006/relationships" xmlns:p="http://schemas.openxmlformats.org/presentationml/2006/main">
+  <p:cSld>
+    <p:bg>
+      <p:bgPr>
+        <a:solidFill>
+          <a:schemeClr val="bg1"/>
+        </a:solidFill>
+        <a:effectLst/>
+      </p:bgPr>
+    </p:bg>
+    <p:spTree>
+      <p:nvGrpSpPr>
+        <p:cNvPr id="1" name=""/>
+        <p:cNvGrpSpPr/>
+        <p:nvPr/>
+      </p:nvGrpSpPr>
+      <p:grpSpPr>
+        <a:xfrm>
+          <a:off x="0" y="0"/>
+          <a:ext cx="0" cy="0"/>
+          <a:chOff x="0" y="0"/>
+          <a:chExt cx="0" cy="0"/>
+        </a:xfrm>
+      </p:grpSpPr>
+      <p:sp>
+        <p:nvSpPr>
+          <p:cNvPr id="10" name="Rectangle 9">
+            <a:extLst>
+              <a:ext uri="{FF2B5EF4-FFF2-40B4-BE49-F238E27FC236}">
+                <a16:creationId xmlns:a16="http://schemas.microsoft.com/office/drawing/2014/main" id="{01D0AF59-99C3-4251-AB9A-C966C6AD4400}"/>
+              </a:ext>
+            </a:extLst>
+          </p:cNvPr>
+          <p:cNvSpPr>
+            <a:spLocks noGrp="1" noRot="1" noChangeAspect="1" noMove="1" noResize="1" noEditPoints="1" noAdjustHandles="1" noChangeArrowheads="1" noChangeShapeType="1" noTextEdit="1"/>
+          </p:cNvSpPr>
+          <p:nvPr>
+            <p:extLst>
+              <p:ext uri="{386F3935-93C4-4BCD-93E2-E3B085C9AB24}">
+                <p16:designElem xmlns:p16="http://schemas.microsoft.com/office/powerpoint/2015/main" val="1"/>
+              </p:ext>
+            </p:extLst>
+          </p:nvPr>
+        </p:nvSpPr>
+        <p:spPr>
+          <a:xfrm>
+            <a:off x="0" y="0"/>
+            <a:ext cx="12192000" cy="6858000"/>
+          </a:xfrm>
+          <a:prstGeom prst="rect">
+            <a:avLst/>
+          </a:prstGeom>
+          <a:solidFill>
+            <a:schemeClr val="bg2"/>
+          </a:solidFill>
+          <a:ln>
+            <a:noFill/>
+          </a:ln>
+        </p:spPr>
+        <p:style>
+          <a:lnRef idx="2">
+            <a:schemeClr val="accent1">
+              <a:shade val="50000"/>
+            </a:schemeClr>
+          </a:lnRef>
+          <a:fillRef idx="1">
+            <a:schemeClr val="accent1"/>
+          </a:fillRef>
+          <a:effectRef idx="0">
+            <a:schemeClr val="accent1"/>
+          </a:effectRef>
+          <a:fontRef idx="minor">
+            <a:schemeClr val="lt1"/>
+          </a:fontRef>
+        </p:style>
+        <p:txBody>
+          <a:bodyPr rtlCol="0" anchor="ctr"/>
+          <a:lstStyle/>
+          <a:p>
+            <a:pPr algn="ctr"/>
+            <a:endParaRPr lang="en-US"/>
+          </a:p>
+        </p:txBody>
+      </p:sp>
+      <p:sp>
+        <p:nvSpPr>
+          <p:cNvPr id="12" name="Rectangle 11">
+            <a:extLst>
+              <a:ext uri="{FF2B5EF4-FFF2-40B4-BE49-F238E27FC236}">
+                <a16:creationId xmlns:a16="http://schemas.microsoft.com/office/drawing/2014/main" id="{1855405F-37A2-4869-9154-F8BE3BECE6C3}"/>
+              </a:ext>
+            </a:extLst>
+          </p:cNvPr>
+          <p:cNvSpPr>
+            <a:spLocks noGrp="1" noRot="1" noChangeAspect="1" noMove="1" noResize="1" noEditPoints="1" noAdjustHandles="1" noChangeArrowheads="1" noChangeShapeType="1" noTextEdit="1"/>
+          </p:cNvSpPr>
+          <p:nvPr>
+            <p:extLst>
+              <p:ext uri="{386F3935-93C4-4BCD-93E2-E3B085C9AB24}">
+                <p16:designElem xmlns:p16="http://schemas.microsoft.com/office/powerpoint/2015/main" val="1"/>
+              </p:ext>
+            </p:extLst>
+          </p:nvPr>
+        </p:nvSpPr>
+        <p:spPr>
+          <a:xfrm>
+            <a:off x="477012" y="480060"/>
+            <a:ext cx="11237976" cy="5897880"/>
+          </a:xfrm>
+          <a:prstGeom prst="rect">
+            <a:avLst/>
+          </a:prstGeom>
+          <a:solidFill>
+            <a:srgbClr val="FFFFFF"/>
+          </a:solidFill>
+          <a:ln w="9525">
+            <a:noFill/>
+          </a:ln>
+          <a:effectLst>
+            <a:outerShdw blurRad="63500" dist="17780" dir="5400000" algn="t" rotWithShape="0">
+              <a:prstClr val="black">
+                <a:alpha val="43000"/>
+              </a:prstClr>
+            </a:outerShdw>
+          </a:effectLst>
+        </p:spPr>
+        <p:style>
+          <a:lnRef idx="2">
+            <a:schemeClr val="accent1">
+              <a:shade val="50000"/>
+            </a:schemeClr>
+          </a:lnRef>
+          <a:fillRef idx="1">
+            <a:schemeClr val="accent1"/>
+          </a:fillRef>
+          <a:effectRef idx="0">
+            <a:schemeClr val="accent1"/>
+          </a:effectRef>
+          <a:fontRef idx="minor">
+            <a:schemeClr val="lt1"/>
+          </a:fontRef>
+        </p:style>
+        <p:txBody>
+          <a:bodyPr rtlCol="0" anchor="ctr"/>
+          <a:lstStyle/>
+          <a:p>
+            <a:pPr algn="ctr"/>
+            <a:endParaRPr lang="en-US"/>
+          </a:p>
+        </p:txBody>
+      </p:sp>
+      <p:pic>
+        <p:nvPicPr>
+          <p:cNvPr id="5" name="그림 4" descr="텍스트이(가) 표시된 사진&#10;&#10;매우 높은 신뢰도로 생성된 설명">
+            <a:extLst>
+              <a:ext uri="{FF2B5EF4-FFF2-40B4-BE49-F238E27FC236}">
+                <a16:creationId xmlns:a16="http://schemas.microsoft.com/office/drawing/2014/main" id="{0CEAEB39-1843-45B5-BE5B-17DCCA04CACC}"/>
+              </a:ext>
+            </a:extLst>
+          </p:cNvPr>
+          <p:cNvPicPr>
+            <a:picLocks noChangeAspect="1"/>
+          </p:cNvPicPr>
+          <p:nvPr/>
+        </p:nvPicPr>
+        <p:blipFill>
+          <a:blip r:embed="rId2">
+            <a:extLst>
+              <a:ext uri="{28A0092B-C50C-407E-A947-70E740481C1C}">
+                <a14:useLocalDpi xmlns:a14="http://schemas.microsoft.com/office/drawing/2010/main" val="0"/>
+              </a:ext>
+            </a:extLst>
+          </a:blip>
+          <a:stretch>
+            <a:fillRect/>
+          </a:stretch>
+        </p:blipFill>
+        <p:spPr>
+          <a:xfrm>
+            <a:off x="6096000" y="1903467"/>
+            <a:ext cx="2645999" cy="2520000"/>
+          </a:xfrm>
+          <a:prstGeom prst="rect">
+            <a:avLst/>
+          </a:prstGeom>
+        </p:spPr>
+      </p:pic>
+      <p:pic>
+        <p:nvPicPr>
+          <p:cNvPr id="7" name="그림 6" descr="텍스트이(가) 표시된 사진&#10;&#10;매우 높은 신뢰도로 생성된 설명">
+            <a:extLst>
+              <a:ext uri="{FF2B5EF4-FFF2-40B4-BE49-F238E27FC236}">
+                <a16:creationId xmlns:a16="http://schemas.microsoft.com/office/drawing/2014/main" id="{9439497C-4042-4A5F-88C2-7DBA744C2701}"/>
+              </a:ext>
+            </a:extLst>
+          </p:cNvPr>
+          <p:cNvPicPr>
+            <a:picLocks noChangeAspect="1"/>
+          </p:cNvPicPr>
+          <p:nvPr/>
+        </p:nvPicPr>
+        <p:blipFill>
+          <a:blip r:embed="rId3">
+            <a:extLst>
+              <a:ext uri="{28A0092B-C50C-407E-A947-70E740481C1C}">
+                <a14:useLocalDpi xmlns:a14="http://schemas.microsoft.com/office/drawing/2010/main" val="0"/>
+              </a:ext>
+            </a:extLst>
+          </a:blip>
+          <a:stretch>
+            <a:fillRect/>
+          </a:stretch>
+        </p:blipFill>
+        <p:spPr>
+          <a:xfrm>
+            <a:off x="3313673" y="1903467"/>
+            <a:ext cx="2646000" cy="2520000"/>
+          </a:xfrm>
+          <a:prstGeom prst="rect">
+            <a:avLst/>
+          </a:prstGeom>
+        </p:spPr>
+      </p:pic>
+      <p:sp>
+        <p:nvSpPr>
+          <p:cNvPr id="14" name="TextBox 13">
+            <a:extLst>
+              <a:ext uri="{FF2B5EF4-FFF2-40B4-BE49-F238E27FC236}">
+                <a16:creationId xmlns:a16="http://schemas.microsoft.com/office/drawing/2014/main" id="{BC97620A-42B3-4A8A-8C35-004C629F9483}"/>
+              </a:ext>
+            </a:extLst>
+          </p:cNvPr>
+          <p:cNvSpPr txBox="1"/>
+          <p:nvPr/>
+        </p:nvSpPr>
+        <p:spPr>
+          <a:xfrm>
+            <a:off x="3618304" y="4423467"/>
+            <a:ext cx="2000684" cy="646331"/>
+          </a:xfrm>
+          <a:prstGeom prst="rect">
+            <a:avLst/>
+          </a:prstGeom>
+          <a:noFill/>
+        </p:spPr>
+        <p:txBody>
+          <a:bodyPr wrap="square" rtlCol="0">
+            <a:spAutoFit/>
+          </a:bodyPr>
+          <a:lstStyle/>
+          <a:p>
+            <a:pPr algn="ctr"/>
+            <a:r>
+              <a:rPr lang="en-US" altLang="ko-KR" dirty="0"/>
+              <a:t>Pre-training result</a:t>
+            </a:r>
+            <a:endParaRPr lang="ko-KR" altLang="en-US" dirty="0"/>
+          </a:p>
+        </p:txBody>
+      </p:sp>
+      <p:sp>
+        <p:nvSpPr>
+          <p:cNvPr id="15" name="TextBox 14">
+            <a:extLst>
+              <a:ext uri="{FF2B5EF4-FFF2-40B4-BE49-F238E27FC236}">
+                <a16:creationId xmlns:a16="http://schemas.microsoft.com/office/drawing/2014/main" id="{73146646-2D74-425F-9C10-73519AB77291}"/>
+              </a:ext>
+            </a:extLst>
+          </p:cNvPr>
+          <p:cNvSpPr txBox="1"/>
+          <p:nvPr/>
+        </p:nvSpPr>
+        <p:spPr>
+          <a:xfrm>
+            <a:off x="6422321" y="4367290"/>
+            <a:ext cx="2000684" cy="646331"/>
+          </a:xfrm>
+          <a:prstGeom prst="rect">
+            <a:avLst/>
+          </a:prstGeom>
+          <a:noFill/>
+        </p:spPr>
+        <p:txBody>
+          <a:bodyPr wrap="square" rtlCol="0">
+            <a:spAutoFit/>
+          </a:bodyPr>
+          <a:lstStyle/>
+          <a:p>
+            <a:pPr algn="ctr"/>
+            <a:r>
+              <a:rPr lang="en-US" altLang="ko-KR" dirty="0"/>
+              <a:t>Last Result after pre-training </a:t>
+            </a:r>
+            <a:endParaRPr lang="ko-KR" altLang="en-US" dirty="0"/>
+          </a:p>
+        </p:txBody>
+      </p:sp>
+    </p:spTree>
+    <p:extLst>
+      <p:ext uri="{BB962C8B-B14F-4D97-AF65-F5344CB8AC3E}">
+        <p14:creationId xmlns:p14="http://schemas.microsoft.com/office/powerpoint/2010/main" val="1019669542"/>
+      </p:ext>
+    </p:extLst>
+  </p:cSld>
+  <p:clrMapOvr>
+    <a:masterClrMapping/>
+  </p:clrMapOvr>
+</p:sld>
+</file>
+
+<file path=ppt/slides/slide13.xml><?xml version="1.0" encoding="utf-8"?>
+<p:sld xmlns:a="http://schemas.openxmlformats.org/drawingml/2006/main" xmlns:r="http://schemas.openxmlformats.org/officeDocument/2006/relationships" xmlns:p="http://schemas.openxmlformats.org/presentationml/2006/main">
+  <p:cSld>
+    <p:spTree>
+      <p:nvGrpSpPr>
+        <p:cNvPr id="1" name=""/>
+        <p:cNvGrpSpPr/>
+        <p:nvPr/>
+      </p:nvGrpSpPr>
+      <p:grpSpPr>
+        <a:xfrm>
+          <a:off x="0" y="0"/>
+          <a:ext cx="0" cy="0"/>
+          <a:chOff x="0" y="0"/>
+          <a:chExt cx="0" cy="0"/>
+        </a:xfrm>
+      </p:grpSpPr>
+      <p:pic>
+        <p:nvPicPr>
+          <p:cNvPr id="5" name="그림 4" descr="텍스트이(가) 표시된 사진&#10;&#10;높은 신뢰도로 생성된 설명">
+            <a:extLst>
+              <a:ext uri="{FF2B5EF4-FFF2-40B4-BE49-F238E27FC236}">
+                <a16:creationId xmlns:a16="http://schemas.microsoft.com/office/drawing/2014/main" id="{4FC845EC-50F8-4F20-8372-9031E6128774}"/>
+              </a:ext>
+            </a:extLst>
+          </p:cNvPr>
+          <p:cNvPicPr>
+            <a:picLocks noChangeAspect="1"/>
+          </p:cNvPicPr>
+          <p:nvPr/>
+        </p:nvPicPr>
+        <p:blipFill>
+          <a:blip r:embed="rId2">
+            <a:extLst>
+              <a:ext uri="{28A0092B-C50C-407E-A947-70E740481C1C}">
+                <a14:useLocalDpi xmlns:a14="http://schemas.microsoft.com/office/drawing/2010/main" val="0"/>
+              </a:ext>
+            </a:extLst>
+          </a:blip>
+          <a:stretch>
+            <a:fillRect/>
+          </a:stretch>
+        </p:blipFill>
+        <p:spPr>
+          <a:xfrm>
+            <a:off x="3258936" y="1393899"/>
+            <a:ext cx="2646000" cy="2520000"/>
+          </a:xfrm>
+          <a:prstGeom prst="rect">
+            <a:avLst/>
+          </a:prstGeom>
+        </p:spPr>
+      </p:pic>
+      <p:pic>
+        <p:nvPicPr>
+          <p:cNvPr id="7" name="그림 6" descr="낱말맞추기게임이(가) 표시된 사진&#10;&#10;높은 신뢰도로 생성된 설명">
+            <a:extLst>
+              <a:ext uri="{FF2B5EF4-FFF2-40B4-BE49-F238E27FC236}">
+                <a16:creationId xmlns:a16="http://schemas.microsoft.com/office/drawing/2014/main" id="{23BB95FC-7959-45C4-81AB-69B1F37D0D4C}"/>
+              </a:ext>
+            </a:extLst>
+          </p:cNvPr>
+          <p:cNvPicPr>
+            <a:picLocks noChangeAspect="1"/>
+          </p:cNvPicPr>
+          <p:nvPr/>
+        </p:nvPicPr>
+        <p:blipFill>
+          <a:blip r:embed="rId3">
+            <a:extLst>
+              <a:ext uri="{28A0092B-C50C-407E-A947-70E740481C1C}">
+                <a14:useLocalDpi xmlns:a14="http://schemas.microsoft.com/office/drawing/2010/main" val="0"/>
+              </a:ext>
+            </a:extLst>
+          </a:blip>
+          <a:stretch>
+            <a:fillRect/>
+          </a:stretch>
+        </p:blipFill>
+        <p:spPr>
+          <a:xfrm>
+            <a:off x="6096000" y="1393899"/>
+            <a:ext cx="2646000" cy="2520000"/>
+          </a:xfrm>
+          <a:prstGeom prst="rect">
+            <a:avLst/>
+          </a:prstGeom>
+        </p:spPr>
+      </p:pic>
+      <p:sp>
+        <p:nvSpPr>
+          <p:cNvPr id="10" name="TextBox 9">
+            <a:extLst>
+              <a:ext uri="{FF2B5EF4-FFF2-40B4-BE49-F238E27FC236}">
+                <a16:creationId xmlns:a16="http://schemas.microsoft.com/office/drawing/2014/main" id="{1C3FD250-5D0B-41DA-8566-DC523C0C6D85}"/>
+              </a:ext>
+            </a:extLst>
+          </p:cNvPr>
+          <p:cNvSpPr txBox="1"/>
+          <p:nvPr/>
+        </p:nvSpPr>
+        <p:spPr>
+          <a:xfrm>
+            <a:off x="3581594" y="3819353"/>
+            <a:ext cx="2000684" cy="369332"/>
+          </a:xfrm>
+          <a:prstGeom prst="rect">
+            <a:avLst/>
+          </a:prstGeom>
+          <a:noFill/>
+        </p:spPr>
+        <p:txBody>
+          <a:bodyPr wrap="square" rtlCol="0">
+            <a:spAutoFit/>
+          </a:bodyPr>
+          <a:lstStyle/>
+          <a:p>
+            <a:pPr algn="ctr"/>
+            <a:r>
+              <a:rPr lang="en-US" altLang="ko-KR" dirty="0"/>
+              <a:t>ref</a:t>
+            </a:r>
+            <a:endParaRPr lang="ko-KR" altLang="en-US" dirty="0"/>
+          </a:p>
+        </p:txBody>
+      </p:sp>
+      <p:sp>
+        <p:nvSpPr>
+          <p:cNvPr id="11" name="TextBox 10">
+            <a:extLst>
+              <a:ext uri="{FF2B5EF4-FFF2-40B4-BE49-F238E27FC236}">
+                <a16:creationId xmlns:a16="http://schemas.microsoft.com/office/drawing/2014/main" id="{1940B36F-5654-4F2E-B550-D0471BD6773B}"/>
+              </a:ext>
+            </a:extLst>
+          </p:cNvPr>
+          <p:cNvSpPr txBox="1"/>
+          <p:nvPr/>
+        </p:nvSpPr>
+        <p:spPr>
+          <a:xfrm>
+            <a:off x="6418658" y="3819353"/>
+            <a:ext cx="2000684" cy="369332"/>
+          </a:xfrm>
+          <a:prstGeom prst="rect">
+            <a:avLst/>
+          </a:prstGeom>
+          <a:noFill/>
+        </p:spPr>
+        <p:txBody>
+          <a:bodyPr wrap="square" rtlCol="0">
+            <a:spAutoFit/>
+          </a:bodyPr>
+          <a:lstStyle/>
+          <a:p>
+            <a:pPr algn="ctr"/>
+            <a:r>
+              <a:rPr lang="en-US" altLang="ko-KR" dirty="0"/>
+              <a:t>1</a:t>
+            </a:r>
+            <a:r>
+              <a:rPr lang="en-US" altLang="ko-KR" baseline="30000" dirty="0"/>
+              <a:t>st</a:t>
+            </a:r>
+            <a:r>
+              <a:rPr lang="en-US" altLang="ko-KR" dirty="0"/>
+              <a:t> output </a:t>
+            </a:r>
+            <a:endParaRPr lang="ko-KR" altLang="en-US" dirty="0"/>
+          </a:p>
+        </p:txBody>
+      </p:sp>
+    </p:spTree>
+    <p:extLst>
+      <p:ext uri="{BB962C8B-B14F-4D97-AF65-F5344CB8AC3E}">
+        <p14:creationId xmlns:p14="http://schemas.microsoft.com/office/powerpoint/2010/main" val="3363689242"/>
+      </p:ext>
+    </p:extLst>
+  </p:cSld>
+  <p:clrMapOvr>
+    <a:masterClrMapping/>
+  </p:clrMapOvr>
+</p:sld>
+</file>
+
+<file path=ppt/slides/slide14.xml><?xml version="1.0" encoding="utf-8"?>
+<p:sld xmlns:a="http://schemas.openxmlformats.org/drawingml/2006/main" xmlns:r="http://schemas.openxmlformats.org/officeDocument/2006/relationships" xmlns:p="http://schemas.openxmlformats.org/presentationml/2006/main">
+  <p:cSld>
+    <p:spTree>
+      <p:nvGrpSpPr>
+        <p:cNvPr id="1" name=""/>
+        <p:cNvGrpSpPr/>
+        <p:nvPr/>
+      </p:nvGrpSpPr>
+      <p:grpSpPr>
+        <a:xfrm>
+          <a:off x="0" y="0"/>
+          <a:ext cx="0" cy="0"/>
+          <a:chOff x="0" y="0"/>
+          <a:chExt cx="0" cy="0"/>
+        </a:xfrm>
+      </p:grpSpPr>
+      <p:sp>
+        <p:nvSpPr>
+          <p:cNvPr id="11" name="TextBox 10">
+            <a:extLst>
+              <a:ext uri="{FF2B5EF4-FFF2-40B4-BE49-F238E27FC236}">
+                <a16:creationId xmlns:a16="http://schemas.microsoft.com/office/drawing/2014/main" id="{28FFAA72-E134-4653-B63E-A5702097509D}"/>
+              </a:ext>
+            </a:extLst>
+          </p:cNvPr>
+          <p:cNvSpPr txBox="1"/>
+          <p:nvPr/>
+        </p:nvSpPr>
+        <p:spPr>
+          <a:xfrm>
+            <a:off x="3411627" y="3059666"/>
+            <a:ext cx="2000684" cy="369332"/>
+          </a:xfrm>
+          <a:prstGeom prst="rect">
+            <a:avLst/>
+          </a:prstGeom>
+          <a:noFill/>
+        </p:spPr>
+        <p:txBody>
+          <a:bodyPr wrap="square" rtlCol="0">
+            <a:spAutoFit/>
+          </a:bodyPr>
+          <a:lstStyle/>
+          <a:p>
+            <a:pPr algn="ctr"/>
+            <a:r>
+              <a:rPr lang="en-US" altLang="ko-KR" dirty="0"/>
+              <a:t>ref</a:t>
+            </a:r>
+            <a:endParaRPr lang="ko-KR" altLang="en-US" dirty="0"/>
+          </a:p>
+        </p:txBody>
+      </p:sp>
+      <p:sp>
+        <p:nvSpPr>
+          <p:cNvPr id="13" name="TextBox 12">
+            <a:extLst>
+              <a:ext uri="{FF2B5EF4-FFF2-40B4-BE49-F238E27FC236}">
+                <a16:creationId xmlns:a16="http://schemas.microsoft.com/office/drawing/2014/main" id="{3E6864DC-50A1-4595-AB46-F00778F33040}"/>
+              </a:ext>
+            </a:extLst>
+          </p:cNvPr>
+          <p:cNvSpPr txBox="1"/>
+          <p:nvPr/>
+        </p:nvSpPr>
+        <p:spPr>
+          <a:xfrm>
+            <a:off x="6544500" y="3057021"/>
+            <a:ext cx="2000684" cy="369332"/>
+          </a:xfrm>
+          <a:prstGeom prst="rect">
+            <a:avLst/>
+          </a:prstGeom>
+          <a:noFill/>
+        </p:spPr>
+        <p:txBody>
+          <a:bodyPr wrap="square" rtlCol="0">
+            <a:spAutoFit/>
+          </a:bodyPr>
+          <a:lstStyle/>
+          <a:p>
+            <a:pPr algn="ctr"/>
+            <a:r>
+              <a:rPr lang="en-US" altLang="ko-KR" dirty="0"/>
+              <a:t>input</a:t>
+            </a:r>
+            <a:endParaRPr lang="ko-KR" altLang="en-US" dirty="0"/>
+          </a:p>
+        </p:txBody>
+      </p:sp>
+      <p:sp>
+        <p:nvSpPr>
+          <p:cNvPr id="15" name="TextBox 14">
+            <a:extLst>
+              <a:ext uri="{FF2B5EF4-FFF2-40B4-BE49-F238E27FC236}">
+                <a16:creationId xmlns:a16="http://schemas.microsoft.com/office/drawing/2014/main" id="{22FBD5F9-4E3A-4D78-A460-541304D7BCDD}"/>
+              </a:ext>
+            </a:extLst>
+          </p:cNvPr>
+          <p:cNvSpPr txBox="1"/>
+          <p:nvPr/>
+        </p:nvSpPr>
+        <p:spPr>
+          <a:xfrm>
+            <a:off x="3373078" y="6061646"/>
+            <a:ext cx="2000684" cy="369332"/>
+          </a:xfrm>
+          <a:prstGeom prst="rect">
+            <a:avLst/>
+          </a:prstGeom>
+          <a:noFill/>
+        </p:spPr>
+        <p:txBody>
+          <a:bodyPr wrap="square" rtlCol="0">
+            <a:spAutoFit/>
+          </a:bodyPr>
+          <a:lstStyle/>
+          <a:p>
+            <a:pPr algn="ctr"/>
+            <a:r>
+              <a:rPr lang="en-US" altLang="ko-KR" dirty="0"/>
+              <a:t>Ground True</a:t>
+            </a:r>
+            <a:endParaRPr lang="ko-KR" altLang="en-US" dirty="0"/>
+          </a:p>
+        </p:txBody>
+      </p:sp>
+      <p:sp>
+        <p:nvSpPr>
+          <p:cNvPr id="17" name="TextBox 16">
+            <a:extLst>
+              <a:ext uri="{FF2B5EF4-FFF2-40B4-BE49-F238E27FC236}">
+                <a16:creationId xmlns:a16="http://schemas.microsoft.com/office/drawing/2014/main" id="{2642FA87-C1E8-4A1B-B22B-4F7E059003F5}"/>
+              </a:ext>
+            </a:extLst>
+          </p:cNvPr>
+          <p:cNvSpPr txBox="1"/>
+          <p:nvPr/>
+        </p:nvSpPr>
+        <p:spPr>
+          <a:xfrm>
+            <a:off x="6544500" y="6036406"/>
+            <a:ext cx="2000684" cy="369332"/>
+          </a:xfrm>
+          <a:prstGeom prst="rect">
+            <a:avLst/>
+          </a:prstGeom>
+          <a:noFill/>
+        </p:spPr>
+        <p:txBody>
+          <a:bodyPr wrap="square" rtlCol="0">
+            <a:spAutoFit/>
+          </a:bodyPr>
+          <a:lstStyle/>
+          <a:p>
+            <a:pPr algn="ctr"/>
+            <a:r>
+              <a:rPr lang="en-US" altLang="ko-KR" dirty="0"/>
+              <a:t>result</a:t>
+            </a:r>
+            <a:endParaRPr lang="ko-KR" altLang="en-US" dirty="0"/>
+          </a:p>
+        </p:txBody>
+      </p:sp>
+      <p:sp>
+        <p:nvSpPr>
+          <p:cNvPr id="2" name="TextBox 1">
+            <a:extLst>
+              <a:ext uri="{FF2B5EF4-FFF2-40B4-BE49-F238E27FC236}">
+                <a16:creationId xmlns:a16="http://schemas.microsoft.com/office/drawing/2014/main" id="{8D98B499-58A1-4F03-8291-C89E10D7566A}"/>
+              </a:ext>
+            </a:extLst>
+          </p:cNvPr>
+          <p:cNvSpPr txBox="1"/>
+          <p:nvPr/>
+        </p:nvSpPr>
+        <p:spPr>
+          <a:xfrm>
+            <a:off x="222011" y="410976"/>
+            <a:ext cx="2530426" cy="369332"/>
+          </a:xfrm>
+          <a:prstGeom prst="rect">
+            <a:avLst/>
+          </a:prstGeom>
+          <a:noFill/>
+        </p:spPr>
+        <p:txBody>
+          <a:bodyPr wrap="square" rtlCol="0">
+            <a:spAutoFit/>
+          </a:bodyPr>
+          <a:lstStyle/>
+          <a:p>
+            <a:r>
+              <a:rPr lang="en-US" altLang="ko-KR" dirty="0"/>
+              <a:t>Conditional dcgans_v1</a:t>
+            </a:r>
+          </a:p>
+        </p:txBody>
+      </p:sp>
+      <p:pic>
+        <p:nvPicPr>
+          <p:cNvPr id="4" name="그림 3" descr="텍스트, 낱말맞추기게임이(가) 표시된 사진&#10;&#10;매우 높은 신뢰도로 생성된 설명">
+            <a:extLst>
+              <a:ext uri="{FF2B5EF4-FFF2-40B4-BE49-F238E27FC236}">
+                <a16:creationId xmlns:a16="http://schemas.microsoft.com/office/drawing/2014/main" id="{DFCF4DD6-959C-41F9-A626-F8B4E12370D6}"/>
+              </a:ext>
+            </a:extLst>
+          </p:cNvPr>
+          <p:cNvPicPr>
+            <a:picLocks noChangeAspect="1"/>
+          </p:cNvPicPr>
+          <p:nvPr/>
+        </p:nvPicPr>
+        <p:blipFill>
+          <a:blip r:embed="rId2">
+            <a:extLst>
+              <a:ext uri="{28A0092B-C50C-407E-A947-70E740481C1C}">
+                <a14:useLocalDpi xmlns:a14="http://schemas.microsoft.com/office/drawing/2010/main" val="0"/>
+              </a:ext>
+            </a:extLst>
+          </a:blip>
+          <a:stretch>
+            <a:fillRect/>
+          </a:stretch>
+        </p:blipFill>
+        <p:spPr>
+          <a:xfrm>
+            <a:off x="3172789" y="3541646"/>
+            <a:ext cx="2646000" cy="2520000"/>
+          </a:xfrm>
+          <a:prstGeom prst="rect">
+            <a:avLst/>
+          </a:prstGeom>
+        </p:spPr>
+      </p:pic>
+      <p:pic>
+        <p:nvPicPr>
+          <p:cNvPr id="6" name="그림 5">
+            <a:extLst>
+              <a:ext uri="{FF2B5EF4-FFF2-40B4-BE49-F238E27FC236}">
+                <a16:creationId xmlns:a16="http://schemas.microsoft.com/office/drawing/2014/main" id="{F498C309-B3F2-4525-8B42-4ECB009AFE80}"/>
+              </a:ext>
+            </a:extLst>
+          </p:cNvPr>
+          <p:cNvPicPr>
+            <a:picLocks noChangeAspect="1"/>
+          </p:cNvPicPr>
+          <p:nvPr/>
+        </p:nvPicPr>
+        <p:blipFill>
+          <a:blip r:embed="rId3">
+            <a:extLst>
+              <a:ext uri="{28A0092B-C50C-407E-A947-70E740481C1C}">
+                <a14:useLocalDpi xmlns:a14="http://schemas.microsoft.com/office/drawing/2010/main" val="0"/>
+              </a:ext>
+            </a:extLst>
+          </a:blip>
+          <a:stretch>
+            <a:fillRect/>
+          </a:stretch>
+        </p:blipFill>
+        <p:spPr>
+          <a:xfrm>
+            <a:off x="3172789" y="595642"/>
+            <a:ext cx="2646000" cy="2520000"/>
+          </a:xfrm>
+          <a:prstGeom prst="rect">
+            <a:avLst/>
+          </a:prstGeom>
+        </p:spPr>
+      </p:pic>
+      <p:pic>
+        <p:nvPicPr>
+          <p:cNvPr id="8" name="그림 7">
+            <a:extLst>
+              <a:ext uri="{FF2B5EF4-FFF2-40B4-BE49-F238E27FC236}">
+                <a16:creationId xmlns:a16="http://schemas.microsoft.com/office/drawing/2014/main" id="{941DB4D6-46ED-41D5-B2A7-198A76BC430F}"/>
+              </a:ext>
+            </a:extLst>
+          </p:cNvPr>
+          <p:cNvPicPr>
+            <a:picLocks noChangeAspect="1"/>
+          </p:cNvPicPr>
+          <p:nvPr/>
+        </p:nvPicPr>
+        <p:blipFill>
+          <a:blip r:embed="rId4">
+            <a:extLst>
+              <a:ext uri="{28A0092B-C50C-407E-A947-70E740481C1C}">
+                <a14:useLocalDpi xmlns:a14="http://schemas.microsoft.com/office/drawing/2010/main" val="0"/>
+              </a:ext>
+            </a:extLst>
+          </a:blip>
+          <a:stretch>
+            <a:fillRect/>
+          </a:stretch>
+        </p:blipFill>
+        <p:spPr>
+          <a:xfrm>
+            <a:off x="6221842" y="595642"/>
+            <a:ext cx="2646000" cy="2520000"/>
+          </a:xfrm>
+          <a:prstGeom prst="rect">
+            <a:avLst/>
+          </a:prstGeom>
+        </p:spPr>
+      </p:pic>
+      <p:pic>
+        <p:nvPicPr>
+          <p:cNvPr id="10" name="그림 9">
+            <a:extLst>
+              <a:ext uri="{FF2B5EF4-FFF2-40B4-BE49-F238E27FC236}">
+                <a16:creationId xmlns:a16="http://schemas.microsoft.com/office/drawing/2014/main" id="{1062B0E0-5D2E-4FA1-B44A-772C230F7DB8}"/>
+              </a:ext>
+            </a:extLst>
+          </p:cNvPr>
+          <p:cNvPicPr>
+            <a:picLocks noChangeAspect="1"/>
+          </p:cNvPicPr>
+          <p:nvPr/>
+        </p:nvPicPr>
+        <p:blipFill>
+          <a:blip r:embed="rId5">
+            <a:extLst>
+              <a:ext uri="{28A0092B-C50C-407E-A947-70E740481C1C}">
+                <a14:useLocalDpi xmlns:a14="http://schemas.microsoft.com/office/drawing/2010/main" val="0"/>
+              </a:ext>
+            </a:extLst>
+          </a:blip>
+          <a:stretch>
+            <a:fillRect/>
+          </a:stretch>
+        </p:blipFill>
+        <p:spPr>
+          <a:xfrm>
+            <a:off x="6221842" y="3541646"/>
+            <a:ext cx="2646000" cy="2520000"/>
+          </a:xfrm>
+          <a:prstGeom prst="rect">
+            <a:avLst/>
+          </a:prstGeom>
+        </p:spPr>
+      </p:pic>
+    </p:spTree>
+    <p:extLst>
+      <p:ext uri="{BB962C8B-B14F-4D97-AF65-F5344CB8AC3E}">
+        <p14:creationId xmlns:p14="http://schemas.microsoft.com/office/powerpoint/2010/main" val="1625762144"/>
+      </p:ext>
+    </p:extLst>
+  </p:cSld>
+  <p:clrMapOvr>
+    <a:masterClrMapping/>
+  </p:clrMapOvr>
+</p:sld>
+</file>
+
+<file path=ppt/slides/slide15.xml><?xml version="1.0" encoding="utf-8"?>
+<p:sld xmlns:a="http://schemas.openxmlformats.org/drawingml/2006/main" xmlns:r="http://schemas.openxmlformats.org/officeDocument/2006/relationships" xmlns:p="http://schemas.openxmlformats.org/presentationml/2006/main">
+  <p:cSld>
+    <p:spTree>
+      <p:nvGrpSpPr>
+        <p:cNvPr id="1" name=""/>
+        <p:cNvGrpSpPr/>
+        <p:nvPr/>
+      </p:nvGrpSpPr>
+      <p:grpSpPr>
+        <a:xfrm>
+          <a:off x="0" y="0"/>
+          <a:ext cx="0" cy="0"/>
+          <a:chOff x="0" y="0"/>
+          <a:chExt cx="0" cy="0"/>
+        </a:xfrm>
+      </p:grpSpPr>
+      <p:sp>
+        <p:nvSpPr>
+          <p:cNvPr id="11" name="TextBox 10">
+            <a:extLst>
+              <a:ext uri="{FF2B5EF4-FFF2-40B4-BE49-F238E27FC236}">
+                <a16:creationId xmlns:a16="http://schemas.microsoft.com/office/drawing/2014/main" id="{28FFAA72-E134-4653-B63E-A5702097509D}"/>
+              </a:ext>
+            </a:extLst>
+          </p:cNvPr>
+          <p:cNvSpPr txBox="1"/>
+          <p:nvPr/>
+        </p:nvSpPr>
+        <p:spPr>
+          <a:xfrm>
+            <a:off x="3411627" y="3059666"/>
+            <a:ext cx="2000684" cy="369332"/>
+          </a:xfrm>
+          <a:prstGeom prst="rect">
+            <a:avLst/>
+          </a:prstGeom>
+          <a:noFill/>
+        </p:spPr>
+        <p:txBody>
+          <a:bodyPr wrap="square" rtlCol="0">
+            <a:spAutoFit/>
+          </a:bodyPr>
+          <a:lstStyle/>
+          <a:p>
+            <a:pPr algn="ctr"/>
+            <a:r>
+              <a:rPr lang="en-US" altLang="ko-KR" dirty="0"/>
+              <a:t>ref</a:t>
+            </a:r>
+            <a:endParaRPr lang="ko-KR" altLang="en-US" dirty="0"/>
+          </a:p>
+        </p:txBody>
+      </p:sp>
+      <p:sp>
+        <p:nvSpPr>
+          <p:cNvPr id="13" name="TextBox 12">
+            <a:extLst>
+              <a:ext uri="{FF2B5EF4-FFF2-40B4-BE49-F238E27FC236}">
+                <a16:creationId xmlns:a16="http://schemas.microsoft.com/office/drawing/2014/main" id="{3E6864DC-50A1-4595-AB46-F00778F33040}"/>
+              </a:ext>
+            </a:extLst>
+          </p:cNvPr>
+          <p:cNvSpPr txBox="1"/>
+          <p:nvPr/>
+        </p:nvSpPr>
+        <p:spPr>
+          <a:xfrm>
+            <a:off x="6544500" y="3057021"/>
+            <a:ext cx="2000684" cy="369332"/>
+          </a:xfrm>
+          <a:prstGeom prst="rect">
+            <a:avLst/>
+          </a:prstGeom>
+          <a:noFill/>
+        </p:spPr>
+        <p:txBody>
+          <a:bodyPr wrap="square" rtlCol="0">
+            <a:spAutoFit/>
+          </a:bodyPr>
+          <a:lstStyle/>
+          <a:p>
+            <a:pPr algn="ctr"/>
+            <a:r>
+              <a:rPr lang="en-US" altLang="ko-KR" dirty="0"/>
+              <a:t>input</a:t>
+            </a:r>
+            <a:endParaRPr lang="ko-KR" altLang="en-US" dirty="0"/>
+          </a:p>
+        </p:txBody>
+      </p:sp>
+      <p:sp>
+        <p:nvSpPr>
+          <p:cNvPr id="15" name="TextBox 14">
+            <a:extLst>
+              <a:ext uri="{FF2B5EF4-FFF2-40B4-BE49-F238E27FC236}">
+                <a16:creationId xmlns:a16="http://schemas.microsoft.com/office/drawing/2014/main" id="{22FBD5F9-4E3A-4D78-A460-541304D7BCDD}"/>
+              </a:ext>
+            </a:extLst>
+          </p:cNvPr>
+          <p:cNvSpPr txBox="1"/>
+          <p:nvPr/>
+        </p:nvSpPr>
+        <p:spPr>
+          <a:xfrm>
+            <a:off x="3373078" y="6061646"/>
+            <a:ext cx="2000684" cy="369332"/>
+          </a:xfrm>
+          <a:prstGeom prst="rect">
+            <a:avLst/>
+          </a:prstGeom>
+          <a:noFill/>
+        </p:spPr>
+        <p:txBody>
+          <a:bodyPr wrap="square" rtlCol="0">
+            <a:spAutoFit/>
+          </a:bodyPr>
+          <a:lstStyle/>
+          <a:p>
+            <a:pPr algn="ctr"/>
+            <a:r>
+              <a:rPr lang="en-US" altLang="ko-KR" dirty="0"/>
+              <a:t>Ground True</a:t>
+            </a:r>
+            <a:endParaRPr lang="ko-KR" altLang="en-US" dirty="0"/>
+          </a:p>
+        </p:txBody>
+      </p:sp>
+      <p:sp>
+        <p:nvSpPr>
+          <p:cNvPr id="17" name="TextBox 16">
+            <a:extLst>
+              <a:ext uri="{FF2B5EF4-FFF2-40B4-BE49-F238E27FC236}">
+                <a16:creationId xmlns:a16="http://schemas.microsoft.com/office/drawing/2014/main" id="{2642FA87-C1E8-4A1B-B22B-4F7E059003F5}"/>
+              </a:ext>
+            </a:extLst>
+          </p:cNvPr>
+          <p:cNvSpPr txBox="1"/>
+          <p:nvPr/>
+        </p:nvSpPr>
+        <p:spPr>
+          <a:xfrm>
+            <a:off x="6544500" y="6036406"/>
+            <a:ext cx="2000684" cy="369332"/>
+          </a:xfrm>
+          <a:prstGeom prst="rect">
+            <a:avLst/>
+          </a:prstGeom>
+          <a:noFill/>
+        </p:spPr>
+        <p:txBody>
+          <a:bodyPr wrap="square" rtlCol="0">
+            <a:spAutoFit/>
+          </a:bodyPr>
+          <a:lstStyle/>
+          <a:p>
+            <a:pPr algn="ctr"/>
+            <a:r>
+              <a:rPr lang="en-US" altLang="ko-KR" dirty="0"/>
+              <a:t>result</a:t>
+            </a:r>
+            <a:endParaRPr lang="ko-KR" altLang="en-US" dirty="0"/>
+          </a:p>
+        </p:txBody>
+      </p:sp>
+      <p:sp>
+        <p:nvSpPr>
+          <p:cNvPr id="2" name="TextBox 1">
+            <a:extLst>
+              <a:ext uri="{FF2B5EF4-FFF2-40B4-BE49-F238E27FC236}">
+                <a16:creationId xmlns:a16="http://schemas.microsoft.com/office/drawing/2014/main" id="{8D98B499-58A1-4F03-8291-C89E10D7566A}"/>
+              </a:ext>
+            </a:extLst>
+          </p:cNvPr>
+          <p:cNvSpPr txBox="1"/>
+          <p:nvPr/>
+        </p:nvSpPr>
+        <p:spPr>
+          <a:xfrm>
+            <a:off x="222011" y="410976"/>
+            <a:ext cx="2530426" cy="369332"/>
+          </a:xfrm>
+          <a:prstGeom prst="rect">
+            <a:avLst/>
+          </a:prstGeom>
+          <a:noFill/>
+        </p:spPr>
+        <p:txBody>
+          <a:bodyPr wrap="square" rtlCol="0">
+            <a:spAutoFit/>
+          </a:bodyPr>
+          <a:lstStyle/>
+          <a:p>
+            <a:r>
+              <a:rPr lang="en-US" altLang="ko-KR" dirty="0"/>
+              <a:t>Conditional dcgans_v2</a:t>
+            </a:r>
+          </a:p>
+        </p:txBody>
+      </p:sp>
+      <p:pic>
+        <p:nvPicPr>
+          <p:cNvPr id="4" name="그림 3" descr="텍스트, 낱말맞추기게임이(가) 표시된 사진&#10;&#10;매우 높은 신뢰도로 생성된 설명">
+            <a:extLst>
+              <a:ext uri="{FF2B5EF4-FFF2-40B4-BE49-F238E27FC236}">
+                <a16:creationId xmlns:a16="http://schemas.microsoft.com/office/drawing/2014/main" id="{510D2824-A696-4AAF-959F-3A370BA8EB9B}"/>
+              </a:ext>
+            </a:extLst>
+          </p:cNvPr>
+          <p:cNvPicPr>
+            <a:picLocks noChangeAspect="1"/>
+          </p:cNvPicPr>
+          <p:nvPr/>
+        </p:nvPicPr>
+        <p:blipFill>
+          <a:blip r:embed="rId2">
+            <a:extLst>
+              <a:ext uri="{28A0092B-C50C-407E-A947-70E740481C1C}">
+                <a14:useLocalDpi xmlns:a14="http://schemas.microsoft.com/office/drawing/2010/main" val="0"/>
+              </a:ext>
+            </a:extLst>
+          </a:blip>
+          <a:stretch>
+            <a:fillRect/>
+          </a:stretch>
+        </p:blipFill>
+        <p:spPr>
+          <a:xfrm>
+            <a:off x="3088969" y="3541646"/>
+            <a:ext cx="2646000" cy="2520000"/>
+          </a:xfrm>
+          <a:prstGeom prst="rect">
+            <a:avLst/>
+          </a:prstGeom>
+        </p:spPr>
+      </p:pic>
+      <p:pic>
+        <p:nvPicPr>
+          <p:cNvPr id="6" name="그림 5">
+            <a:extLst>
+              <a:ext uri="{FF2B5EF4-FFF2-40B4-BE49-F238E27FC236}">
+                <a16:creationId xmlns:a16="http://schemas.microsoft.com/office/drawing/2014/main" id="{7912E8DD-4CB6-4885-A3AC-D707E32F7A17}"/>
+              </a:ext>
+            </a:extLst>
+          </p:cNvPr>
+          <p:cNvPicPr>
+            <a:picLocks noChangeAspect="1"/>
+          </p:cNvPicPr>
+          <p:nvPr/>
+        </p:nvPicPr>
+        <p:blipFill>
+          <a:blip r:embed="rId3">
+            <a:extLst>
+              <a:ext uri="{28A0092B-C50C-407E-A947-70E740481C1C}">
+                <a14:useLocalDpi xmlns:a14="http://schemas.microsoft.com/office/drawing/2010/main" val="0"/>
+              </a:ext>
+            </a:extLst>
+          </a:blip>
+          <a:stretch>
+            <a:fillRect/>
+          </a:stretch>
+        </p:blipFill>
+        <p:spPr>
+          <a:xfrm>
+            <a:off x="6221842" y="595642"/>
+            <a:ext cx="2646000" cy="2520000"/>
+          </a:xfrm>
+          <a:prstGeom prst="rect">
+            <a:avLst/>
+          </a:prstGeom>
+        </p:spPr>
+      </p:pic>
+      <p:pic>
+        <p:nvPicPr>
+          <p:cNvPr id="8" name="그림 7">
+            <a:extLst>
+              <a:ext uri="{FF2B5EF4-FFF2-40B4-BE49-F238E27FC236}">
+                <a16:creationId xmlns:a16="http://schemas.microsoft.com/office/drawing/2014/main" id="{35F2CFFA-CE62-4D27-84F7-E1760EDB4897}"/>
+              </a:ext>
+            </a:extLst>
+          </p:cNvPr>
+          <p:cNvPicPr>
+            <a:picLocks noChangeAspect="1"/>
+          </p:cNvPicPr>
+          <p:nvPr/>
+        </p:nvPicPr>
+        <p:blipFill>
+          <a:blip r:embed="rId4">
+            <a:extLst>
+              <a:ext uri="{28A0092B-C50C-407E-A947-70E740481C1C}">
+                <a14:useLocalDpi xmlns:a14="http://schemas.microsoft.com/office/drawing/2010/main" val="0"/>
+              </a:ext>
+            </a:extLst>
+          </a:blip>
+          <a:stretch>
+            <a:fillRect/>
+          </a:stretch>
+        </p:blipFill>
+        <p:spPr>
+          <a:xfrm>
+            <a:off x="3088969" y="595642"/>
+            <a:ext cx="2646000" cy="2520000"/>
+          </a:xfrm>
+          <a:prstGeom prst="rect">
+            <a:avLst/>
+          </a:prstGeom>
+        </p:spPr>
+      </p:pic>
+      <p:pic>
+        <p:nvPicPr>
+          <p:cNvPr id="10" name="그림 9" descr="텍스트이(가) 표시된 사진&#10;&#10;매우 높은 신뢰도로 생성된 설명">
+            <a:extLst>
+              <a:ext uri="{FF2B5EF4-FFF2-40B4-BE49-F238E27FC236}">
+                <a16:creationId xmlns:a16="http://schemas.microsoft.com/office/drawing/2014/main" id="{641F7A8F-4E6F-4F5A-A9AF-476692E0A71B}"/>
+              </a:ext>
+            </a:extLst>
+          </p:cNvPr>
+          <p:cNvPicPr>
+            <a:picLocks noChangeAspect="1"/>
+          </p:cNvPicPr>
+          <p:nvPr/>
+        </p:nvPicPr>
+        <p:blipFill>
+          <a:blip r:embed="rId5">
+            <a:extLst>
+              <a:ext uri="{28A0092B-C50C-407E-A947-70E740481C1C}">
+                <a14:useLocalDpi xmlns:a14="http://schemas.microsoft.com/office/drawing/2010/main" val="0"/>
+              </a:ext>
+            </a:extLst>
+          </a:blip>
+          <a:stretch>
+            <a:fillRect/>
+          </a:stretch>
+        </p:blipFill>
+        <p:spPr>
+          <a:xfrm>
+            <a:off x="6221842" y="3541646"/>
+            <a:ext cx="2646000" cy="2520000"/>
+          </a:xfrm>
+          <a:prstGeom prst="rect">
+            <a:avLst/>
+          </a:prstGeom>
+        </p:spPr>
+      </p:pic>
+    </p:spTree>
+    <p:extLst>
+      <p:ext uri="{BB962C8B-B14F-4D97-AF65-F5344CB8AC3E}">
+        <p14:creationId xmlns:p14="http://schemas.microsoft.com/office/powerpoint/2010/main" val="3862098015"/>
+      </p:ext>
+    </p:extLst>
+  </p:cSld>
+  <p:clrMapOvr>
+    <a:masterClrMapping/>
+  </p:clrMapOvr>
+</p:sld>
+</file>
+
+<file path=ppt/slides/slide16.xml><?xml version="1.0" encoding="utf-8"?>
+<p:sld xmlns:a="http://schemas.openxmlformats.org/drawingml/2006/main" xmlns:r="http://schemas.openxmlformats.org/officeDocument/2006/relationships" xmlns:p="http://schemas.openxmlformats.org/presentationml/2006/main">
+  <p:cSld>
+    <p:spTree>
+      <p:nvGrpSpPr>
+        <p:cNvPr id="1" name=""/>
+        <p:cNvGrpSpPr/>
+        <p:nvPr/>
+      </p:nvGrpSpPr>
+      <p:grpSpPr>
+        <a:xfrm>
+          <a:off x="0" y="0"/>
+          <a:ext cx="0" cy="0"/>
+          <a:chOff x="0" y="0"/>
+          <a:chExt cx="0" cy="0"/>
+        </a:xfrm>
+      </p:grpSpPr>
+      <p:sp>
+        <p:nvSpPr>
+          <p:cNvPr id="11" name="TextBox 10">
+            <a:extLst>
+              <a:ext uri="{FF2B5EF4-FFF2-40B4-BE49-F238E27FC236}">
+                <a16:creationId xmlns:a16="http://schemas.microsoft.com/office/drawing/2014/main" id="{28FFAA72-E134-4653-B63E-A5702097509D}"/>
+              </a:ext>
+            </a:extLst>
+          </p:cNvPr>
+          <p:cNvSpPr txBox="1"/>
+          <p:nvPr/>
+        </p:nvSpPr>
+        <p:spPr>
+          <a:xfrm>
+            <a:off x="3411627" y="3059666"/>
+            <a:ext cx="2000684" cy="369332"/>
+          </a:xfrm>
+          <a:prstGeom prst="rect">
+            <a:avLst/>
+          </a:prstGeom>
+          <a:noFill/>
+        </p:spPr>
+        <p:txBody>
+          <a:bodyPr wrap="square" rtlCol="0">
+            <a:spAutoFit/>
+          </a:bodyPr>
+          <a:lstStyle/>
+          <a:p>
+            <a:pPr algn="ctr"/>
+            <a:r>
+              <a:rPr lang="en-US" altLang="ko-KR" dirty="0"/>
+              <a:t>ref</a:t>
+            </a:r>
+            <a:endParaRPr lang="ko-KR" altLang="en-US" dirty="0"/>
+          </a:p>
+        </p:txBody>
+      </p:sp>
+      <p:sp>
+        <p:nvSpPr>
+          <p:cNvPr id="13" name="TextBox 12">
+            <a:extLst>
+              <a:ext uri="{FF2B5EF4-FFF2-40B4-BE49-F238E27FC236}">
+                <a16:creationId xmlns:a16="http://schemas.microsoft.com/office/drawing/2014/main" id="{3E6864DC-50A1-4595-AB46-F00778F33040}"/>
+              </a:ext>
+            </a:extLst>
+          </p:cNvPr>
+          <p:cNvSpPr txBox="1"/>
+          <p:nvPr/>
+        </p:nvSpPr>
+        <p:spPr>
+          <a:xfrm>
+            <a:off x="6544500" y="3057021"/>
+            <a:ext cx="2000684" cy="369332"/>
+          </a:xfrm>
+          <a:prstGeom prst="rect">
+            <a:avLst/>
+          </a:prstGeom>
+          <a:noFill/>
+        </p:spPr>
+        <p:txBody>
+          <a:bodyPr wrap="square" rtlCol="0">
+            <a:spAutoFit/>
+          </a:bodyPr>
+          <a:lstStyle/>
+          <a:p>
+            <a:pPr algn="ctr"/>
+            <a:r>
+              <a:rPr lang="en-US" altLang="ko-KR" dirty="0"/>
+              <a:t>input</a:t>
+            </a:r>
+            <a:endParaRPr lang="ko-KR" altLang="en-US" dirty="0"/>
+          </a:p>
+        </p:txBody>
+      </p:sp>
+      <p:sp>
+        <p:nvSpPr>
+          <p:cNvPr id="15" name="TextBox 14">
+            <a:extLst>
+              <a:ext uri="{FF2B5EF4-FFF2-40B4-BE49-F238E27FC236}">
+                <a16:creationId xmlns:a16="http://schemas.microsoft.com/office/drawing/2014/main" id="{22FBD5F9-4E3A-4D78-A460-541304D7BCDD}"/>
+              </a:ext>
+            </a:extLst>
+          </p:cNvPr>
+          <p:cNvSpPr txBox="1"/>
+          <p:nvPr/>
+        </p:nvSpPr>
+        <p:spPr>
+          <a:xfrm>
+            <a:off x="3373078" y="6061646"/>
+            <a:ext cx="2000684" cy="369332"/>
+          </a:xfrm>
+          <a:prstGeom prst="rect">
+            <a:avLst/>
+          </a:prstGeom>
+          <a:noFill/>
+        </p:spPr>
+        <p:txBody>
+          <a:bodyPr wrap="square" rtlCol="0">
+            <a:spAutoFit/>
+          </a:bodyPr>
+          <a:lstStyle/>
+          <a:p>
+            <a:pPr algn="ctr"/>
+            <a:r>
+              <a:rPr lang="en-US" altLang="ko-KR" dirty="0"/>
+              <a:t>Ground True</a:t>
+            </a:r>
+            <a:endParaRPr lang="ko-KR" altLang="en-US" dirty="0"/>
+          </a:p>
+        </p:txBody>
+      </p:sp>
+      <p:sp>
+        <p:nvSpPr>
+          <p:cNvPr id="17" name="TextBox 16">
+            <a:extLst>
+              <a:ext uri="{FF2B5EF4-FFF2-40B4-BE49-F238E27FC236}">
+                <a16:creationId xmlns:a16="http://schemas.microsoft.com/office/drawing/2014/main" id="{2642FA87-C1E8-4A1B-B22B-4F7E059003F5}"/>
+              </a:ext>
+            </a:extLst>
+          </p:cNvPr>
+          <p:cNvSpPr txBox="1"/>
+          <p:nvPr/>
+        </p:nvSpPr>
+        <p:spPr>
+          <a:xfrm>
+            <a:off x="6544500" y="6036406"/>
+            <a:ext cx="2000684" cy="369332"/>
+          </a:xfrm>
+          <a:prstGeom prst="rect">
+            <a:avLst/>
+          </a:prstGeom>
+          <a:noFill/>
+        </p:spPr>
+        <p:txBody>
+          <a:bodyPr wrap="square" rtlCol="0">
+            <a:spAutoFit/>
+          </a:bodyPr>
+          <a:lstStyle/>
+          <a:p>
+            <a:pPr algn="ctr"/>
+            <a:r>
+              <a:rPr lang="en-US" altLang="ko-KR" dirty="0"/>
+              <a:t>result</a:t>
+            </a:r>
+            <a:endParaRPr lang="ko-KR" altLang="en-US" dirty="0"/>
+          </a:p>
+        </p:txBody>
+      </p:sp>
+      <p:sp>
+        <p:nvSpPr>
+          <p:cNvPr id="2" name="TextBox 1">
+            <a:extLst>
+              <a:ext uri="{FF2B5EF4-FFF2-40B4-BE49-F238E27FC236}">
+                <a16:creationId xmlns:a16="http://schemas.microsoft.com/office/drawing/2014/main" id="{8D98B499-58A1-4F03-8291-C89E10D7566A}"/>
+              </a:ext>
+            </a:extLst>
+          </p:cNvPr>
+          <p:cNvSpPr txBox="1"/>
+          <p:nvPr/>
+        </p:nvSpPr>
+        <p:spPr>
+          <a:xfrm>
+            <a:off x="222011" y="410976"/>
+            <a:ext cx="2530426" cy="369332"/>
+          </a:xfrm>
+          <a:prstGeom prst="rect">
+            <a:avLst/>
+          </a:prstGeom>
+          <a:noFill/>
+        </p:spPr>
+        <p:txBody>
+          <a:bodyPr wrap="square" rtlCol="0">
+            <a:spAutoFit/>
+          </a:bodyPr>
+          <a:lstStyle/>
+          <a:p>
+            <a:r>
+              <a:rPr lang="en-US" altLang="ko-KR" dirty="0"/>
+              <a:t>Conditional dcgans_v3</a:t>
+            </a:r>
+          </a:p>
+        </p:txBody>
+      </p:sp>
+      <p:pic>
+        <p:nvPicPr>
+          <p:cNvPr id="4" name="그림 3">
+            <a:extLst>
+              <a:ext uri="{FF2B5EF4-FFF2-40B4-BE49-F238E27FC236}">
+                <a16:creationId xmlns:a16="http://schemas.microsoft.com/office/drawing/2014/main" id="{A5ABF34A-A50B-49FD-A2FE-D8AB82C9AAD3}"/>
+              </a:ext>
+            </a:extLst>
+          </p:cNvPr>
+          <p:cNvPicPr>
+            <a:picLocks noChangeAspect="1"/>
+          </p:cNvPicPr>
+          <p:nvPr/>
+        </p:nvPicPr>
+        <p:blipFill>
+          <a:blip r:embed="rId2">
+            <a:extLst>
+              <a:ext uri="{28A0092B-C50C-407E-A947-70E740481C1C}">
+                <a14:useLocalDpi xmlns:a14="http://schemas.microsoft.com/office/drawing/2010/main" val="0"/>
+              </a:ext>
+            </a:extLst>
+          </a:blip>
+          <a:stretch>
+            <a:fillRect/>
+          </a:stretch>
+        </p:blipFill>
+        <p:spPr>
+          <a:xfrm>
+            <a:off x="6221842" y="3516406"/>
+            <a:ext cx="2646000" cy="2520000"/>
+          </a:xfrm>
+          <a:prstGeom prst="rect">
+            <a:avLst/>
+          </a:prstGeom>
+        </p:spPr>
+      </p:pic>
+      <p:pic>
+        <p:nvPicPr>
+          <p:cNvPr id="6" name="그림 5">
+            <a:extLst>
+              <a:ext uri="{FF2B5EF4-FFF2-40B4-BE49-F238E27FC236}">
+                <a16:creationId xmlns:a16="http://schemas.microsoft.com/office/drawing/2014/main" id="{EB3D3617-DD43-483F-A023-0C6DCD1895E3}"/>
+              </a:ext>
+            </a:extLst>
+          </p:cNvPr>
+          <p:cNvPicPr>
+            <a:picLocks noChangeAspect="1"/>
+          </p:cNvPicPr>
+          <p:nvPr/>
+        </p:nvPicPr>
+        <p:blipFill>
+          <a:blip r:embed="rId3">
+            <a:extLst>
+              <a:ext uri="{28A0092B-C50C-407E-A947-70E740481C1C}">
+                <a14:useLocalDpi xmlns:a14="http://schemas.microsoft.com/office/drawing/2010/main" val="0"/>
+              </a:ext>
+            </a:extLst>
+          </a:blip>
+          <a:stretch>
+            <a:fillRect/>
+          </a:stretch>
+        </p:blipFill>
+        <p:spPr>
+          <a:xfrm>
+            <a:off x="3164139" y="3516406"/>
+            <a:ext cx="2646000" cy="2520000"/>
+          </a:xfrm>
+          <a:prstGeom prst="rect">
+            <a:avLst/>
+          </a:prstGeom>
+        </p:spPr>
+      </p:pic>
+      <p:pic>
+        <p:nvPicPr>
+          <p:cNvPr id="8" name="그림 7">
+            <a:extLst>
+              <a:ext uri="{FF2B5EF4-FFF2-40B4-BE49-F238E27FC236}">
+                <a16:creationId xmlns:a16="http://schemas.microsoft.com/office/drawing/2014/main" id="{4079AA8B-C0D3-4CF7-B76D-35F5B1BB3F67}"/>
+              </a:ext>
+            </a:extLst>
+          </p:cNvPr>
+          <p:cNvPicPr>
+            <a:picLocks noChangeAspect="1"/>
+          </p:cNvPicPr>
+          <p:nvPr/>
+        </p:nvPicPr>
+        <p:blipFill>
+          <a:blip r:embed="rId4">
+            <a:extLst>
+              <a:ext uri="{28A0092B-C50C-407E-A947-70E740481C1C}">
+                <a14:useLocalDpi xmlns:a14="http://schemas.microsoft.com/office/drawing/2010/main" val="0"/>
+              </a:ext>
+            </a:extLst>
+          </a:blip>
+          <a:stretch>
+            <a:fillRect/>
+          </a:stretch>
+        </p:blipFill>
+        <p:spPr>
+          <a:xfrm>
+            <a:off x="6221842" y="611294"/>
+            <a:ext cx="2646000" cy="2520000"/>
+          </a:xfrm>
+          <a:prstGeom prst="rect">
+            <a:avLst/>
+          </a:prstGeom>
+        </p:spPr>
+      </p:pic>
+      <p:pic>
+        <p:nvPicPr>
+          <p:cNvPr id="10" name="그림 9">
+            <a:extLst>
+              <a:ext uri="{FF2B5EF4-FFF2-40B4-BE49-F238E27FC236}">
+                <a16:creationId xmlns:a16="http://schemas.microsoft.com/office/drawing/2014/main" id="{ED1635CB-74A6-46FB-9223-5C783B71498B}"/>
+              </a:ext>
+            </a:extLst>
+          </p:cNvPr>
+          <p:cNvPicPr>
+            <a:picLocks noChangeAspect="1"/>
+          </p:cNvPicPr>
+          <p:nvPr/>
+        </p:nvPicPr>
+        <p:blipFill>
+          <a:blip r:embed="rId5">
+            <a:extLst>
+              <a:ext uri="{28A0092B-C50C-407E-A947-70E740481C1C}">
+                <a14:useLocalDpi xmlns:a14="http://schemas.microsoft.com/office/drawing/2010/main" val="0"/>
+              </a:ext>
+            </a:extLst>
+          </a:blip>
+          <a:stretch>
+            <a:fillRect/>
+          </a:stretch>
+        </p:blipFill>
+        <p:spPr>
+          <a:xfrm>
+            <a:off x="3164139" y="611294"/>
+            <a:ext cx="2646000" cy="2520000"/>
+          </a:xfrm>
+          <a:prstGeom prst="rect">
+            <a:avLst/>
+          </a:prstGeom>
+        </p:spPr>
+      </p:pic>
+    </p:spTree>
+    <p:extLst>
+      <p:ext uri="{BB962C8B-B14F-4D97-AF65-F5344CB8AC3E}">
+        <p14:creationId xmlns:p14="http://schemas.microsoft.com/office/powerpoint/2010/main" val="893812916"/>
+      </p:ext>
+    </p:extLst>
+  </p:cSld>
+  <p:clrMapOvr>
+    <a:masterClrMapping/>
+  </p:clrMapOvr>
+</p:sld>
+</file>
+
+<file path=ppt/slides/slide17.xml><?xml version="1.0" encoding="utf-8"?>
+<p:sld xmlns:a="http://schemas.openxmlformats.org/drawingml/2006/main" xmlns:r="http://schemas.openxmlformats.org/officeDocument/2006/relationships" xmlns:p="http://schemas.openxmlformats.org/presentationml/2006/main">
+  <p:cSld>
+    <p:spTree>
+      <p:nvGrpSpPr>
+        <p:cNvPr id="1" name=""/>
+        <p:cNvGrpSpPr/>
+        <p:nvPr/>
+      </p:nvGrpSpPr>
+      <p:grpSpPr>
+        <a:xfrm>
+          <a:off x="0" y="0"/>
+          <a:ext cx="0" cy="0"/>
+          <a:chOff x="0" y="0"/>
+          <a:chExt cx="0" cy="0"/>
+        </a:xfrm>
+      </p:grpSpPr>
+      <p:sp>
+        <p:nvSpPr>
+          <p:cNvPr id="11" name="TextBox 10">
+            <a:extLst>
+              <a:ext uri="{FF2B5EF4-FFF2-40B4-BE49-F238E27FC236}">
+                <a16:creationId xmlns:a16="http://schemas.microsoft.com/office/drawing/2014/main" id="{28FFAA72-E134-4653-B63E-A5702097509D}"/>
+              </a:ext>
+            </a:extLst>
+          </p:cNvPr>
+          <p:cNvSpPr txBox="1"/>
+          <p:nvPr/>
+        </p:nvSpPr>
+        <p:spPr>
+          <a:xfrm>
+            <a:off x="3411627" y="3059666"/>
+            <a:ext cx="2000684" cy="369332"/>
+          </a:xfrm>
+          <a:prstGeom prst="rect">
+            <a:avLst/>
+          </a:prstGeom>
+          <a:noFill/>
+        </p:spPr>
+        <p:txBody>
+          <a:bodyPr wrap="square" rtlCol="0">
+            <a:spAutoFit/>
+          </a:bodyPr>
+          <a:lstStyle/>
+          <a:p>
+            <a:pPr algn="ctr"/>
+            <a:r>
+              <a:rPr lang="en-US" altLang="ko-KR" dirty="0"/>
+              <a:t>ref</a:t>
+            </a:r>
+            <a:endParaRPr lang="ko-KR" altLang="en-US" dirty="0"/>
+          </a:p>
+        </p:txBody>
+      </p:sp>
+      <p:sp>
+        <p:nvSpPr>
+          <p:cNvPr id="13" name="TextBox 12">
+            <a:extLst>
+              <a:ext uri="{FF2B5EF4-FFF2-40B4-BE49-F238E27FC236}">
+                <a16:creationId xmlns:a16="http://schemas.microsoft.com/office/drawing/2014/main" id="{3E6864DC-50A1-4595-AB46-F00778F33040}"/>
+              </a:ext>
+            </a:extLst>
+          </p:cNvPr>
+          <p:cNvSpPr txBox="1"/>
+          <p:nvPr/>
+        </p:nvSpPr>
+        <p:spPr>
+          <a:xfrm>
+            <a:off x="6544500" y="3057021"/>
+            <a:ext cx="2000684" cy="369332"/>
+          </a:xfrm>
+          <a:prstGeom prst="rect">
+            <a:avLst/>
+          </a:prstGeom>
+          <a:noFill/>
+        </p:spPr>
+        <p:txBody>
+          <a:bodyPr wrap="square" rtlCol="0">
+            <a:spAutoFit/>
+          </a:bodyPr>
+          <a:lstStyle/>
+          <a:p>
+            <a:pPr algn="ctr"/>
+            <a:r>
+              <a:rPr lang="en-US" altLang="ko-KR" dirty="0"/>
+              <a:t>input</a:t>
+            </a:r>
+            <a:endParaRPr lang="ko-KR" altLang="en-US" dirty="0"/>
+          </a:p>
+        </p:txBody>
+      </p:sp>
+      <p:sp>
+        <p:nvSpPr>
+          <p:cNvPr id="15" name="TextBox 14">
+            <a:extLst>
+              <a:ext uri="{FF2B5EF4-FFF2-40B4-BE49-F238E27FC236}">
+                <a16:creationId xmlns:a16="http://schemas.microsoft.com/office/drawing/2014/main" id="{22FBD5F9-4E3A-4D78-A460-541304D7BCDD}"/>
+              </a:ext>
+            </a:extLst>
+          </p:cNvPr>
+          <p:cNvSpPr txBox="1"/>
+          <p:nvPr/>
+        </p:nvSpPr>
+        <p:spPr>
+          <a:xfrm>
+            <a:off x="3373078" y="6061646"/>
+            <a:ext cx="2000684" cy="369332"/>
+          </a:xfrm>
+          <a:prstGeom prst="rect">
+            <a:avLst/>
+          </a:prstGeom>
+          <a:noFill/>
+        </p:spPr>
+        <p:txBody>
+          <a:bodyPr wrap="square" rtlCol="0">
+            <a:spAutoFit/>
+          </a:bodyPr>
+          <a:lstStyle/>
+          <a:p>
+            <a:pPr algn="ctr"/>
+            <a:r>
+              <a:rPr lang="en-US" altLang="ko-KR" dirty="0"/>
+              <a:t>Ground True</a:t>
+            </a:r>
+            <a:endParaRPr lang="ko-KR" altLang="en-US" dirty="0"/>
+          </a:p>
+        </p:txBody>
+      </p:sp>
+      <p:sp>
+        <p:nvSpPr>
+          <p:cNvPr id="17" name="TextBox 16">
+            <a:extLst>
+              <a:ext uri="{FF2B5EF4-FFF2-40B4-BE49-F238E27FC236}">
+                <a16:creationId xmlns:a16="http://schemas.microsoft.com/office/drawing/2014/main" id="{2642FA87-C1E8-4A1B-B22B-4F7E059003F5}"/>
+              </a:ext>
+            </a:extLst>
+          </p:cNvPr>
+          <p:cNvSpPr txBox="1"/>
+          <p:nvPr/>
+        </p:nvSpPr>
+        <p:spPr>
+          <a:xfrm>
+            <a:off x="6544500" y="6036406"/>
+            <a:ext cx="2000684" cy="369332"/>
+          </a:xfrm>
+          <a:prstGeom prst="rect">
+            <a:avLst/>
+          </a:prstGeom>
+          <a:noFill/>
+        </p:spPr>
+        <p:txBody>
+          <a:bodyPr wrap="square" rtlCol="0">
+            <a:spAutoFit/>
+          </a:bodyPr>
+          <a:lstStyle/>
+          <a:p>
+            <a:pPr algn="ctr"/>
+            <a:r>
+              <a:rPr lang="en-US" altLang="ko-KR" dirty="0"/>
+              <a:t>result</a:t>
+            </a:r>
+            <a:endParaRPr lang="ko-KR" altLang="en-US" dirty="0"/>
+          </a:p>
+        </p:txBody>
+      </p:sp>
+      <p:sp>
+        <p:nvSpPr>
+          <p:cNvPr id="2" name="TextBox 1">
+            <a:extLst>
+              <a:ext uri="{FF2B5EF4-FFF2-40B4-BE49-F238E27FC236}">
+                <a16:creationId xmlns:a16="http://schemas.microsoft.com/office/drawing/2014/main" id="{8D98B499-58A1-4F03-8291-C89E10D7566A}"/>
+              </a:ext>
+            </a:extLst>
+          </p:cNvPr>
+          <p:cNvSpPr txBox="1"/>
+          <p:nvPr/>
+        </p:nvSpPr>
+        <p:spPr>
+          <a:xfrm>
+            <a:off x="222011" y="410976"/>
+            <a:ext cx="2530426" cy="369332"/>
+          </a:xfrm>
+          <a:prstGeom prst="rect">
+            <a:avLst/>
+          </a:prstGeom>
+          <a:noFill/>
+        </p:spPr>
+        <p:txBody>
+          <a:bodyPr wrap="square" rtlCol="0">
+            <a:spAutoFit/>
+          </a:bodyPr>
+          <a:lstStyle/>
+          <a:p>
+            <a:r>
+              <a:rPr lang="en-US" altLang="ko-KR" dirty="0"/>
+              <a:t>Conditional dcgans_v4</a:t>
+            </a:r>
+          </a:p>
+        </p:txBody>
+      </p:sp>
+      <p:pic>
+        <p:nvPicPr>
+          <p:cNvPr id="4" name="그림 3" descr="낱말맞추기게임, 텍스트이(가) 표시된 사진&#10;&#10;높은 신뢰도로 생성된 설명">
+            <a:extLst>
+              <a:ext uri="{FF2B5EF4-FFF2-40B4-BE49-F238E27FC236}">
+                <a16:creationId xmlns:a16="http://schemas.microsoft.com/office/drawing/2014/main" id="{1EC9207C-1170-4FEF-955C-58FDF56E3620}"/>
+              </a:ext>
+            </a:extLst>
+          </p:cNvPr>
+          <p:cNvPicPr>
+            <a:picLocks noChangeAspect="1"/>
+          </p:cNvPicPr>
+          <p:nvPr/>
+        </p:nvPicPr>
+        <p:blipFill>
+          <a:blip r:embed="rId2">
+            <a:extLst>
+              <a:ext uri="{28A0092B-C50C-407E-A947-70E740481C1C}">
+                <a14:useLocalDpi xmlns:a14="http://schemas.microsoft.com/office/drawing/2010/main" val="0"/>
+              </a:ext>
+            </a:extLst>
+          </a:blip>
+          <a:stretch>
+            <a:fillRect/>
+          </a:stretch>
+        </p:blipFill>
+        <p:spPr>
+          <a:xfrm>
+            <a:off x="3088969" y="3516406"/>
+            <a:ext cx="2646000" cy="2520000"/>
+          </a:xfrm>
+          <a:prstGeom prst="rect">
+            <a:avLst/>
+          </a:prstGeom>
+        </p:spPr>
+      </p:pic>
+      <p:pic>
+        <p:nvPicPr>
+          <p:cNvPr id="6" name="그림 5">
+            <a:extLst>
+              <a:ext uri="{FF2B5EF4-FFF2-40B4-BE49-F238E27FC236}">
+                <a16:creationId xmlns:a16="http://schemas.microsoft.com/office/drawing/2014/main" id="{B00FD0CB-4896-4037-B03C-F3E6D4AEBA30}"/>
+              </a:ext>
+            </a:extLst>
+          </p:cNvPr>
+          <p:cNvPicPr>
+            <a:picLocks noChangeAspect="1"/>
+          </p:cNvPicPr>
+          <p:nvPr/>
+        </p:nvPicPr>
+        <p:blipFill>
+          <a:blip r:embed="rId3">
+            <a:extLst>
+              <a:ext uri="{28A0092B-C50C-407E-A947-70E740481C1C}">
+                <a14:useLocalDpi xmlns:a14="http://schemas.microsoft.com/office/drawing/2010/main" val="0"/>
+              </a:ext>
+            </a:extLst>
+          </a:blip>
+          <a:stretch>
+            <a:fillRect/>
+          </a:stretch>
+        </p:blipFill>
+        <p:spPr>
+          <a:xfrm>
+            <a:off x="6221842" y="615207"/>
+            <a:ext cx="2646000" cy="2520000"/>
+          </a:xfrm>
+          <a:prstGeom prst="rect">
+            <a:avLst/>
+          </a:prstGeom>
+        </p:spPr>
+      </p:pic>
+      <p:pic>
+        <p:nvPicPr>
+          <p:cNvPr id="8" name="그림 7">
+            <a:extLst>
+              <a:ext uri="{FF2B5EF4-FFF2-40B4-BE49-F238E27FC236}">
+                <a16:creationId xmlns:a16="http://schemas.microsoft.com/office/drawing/2014/main" id="{C001A4F6-7240-4662-95D5-068875636DCE}"/>
+              </a:ext>
+            </a:extLst>
+          </p:cNvPr>
+          <p:cNvPicPr>
+            <a:picLocks noChangeAspect="1"/>
+          </p:cNvPicPr>
+          <p:nvPr/>
+        </p:nvPicPr>
+        <p:blipFill>
+          <a:blip r:embed="rId4">
+            <a:extLst>
+              <a:ext uri="{28A0092B-C50C-407E-A947-70E740481C1C}">
+                <a14:useLocalDpi xmlns:a14="http://schemas.microsoft.com/office/drawing/2010/main" val="0"/>
+              </a:ext>
+            </a:extLst>
+          </a:blip>
+          <a:stretch>
+            <a:fillRect/>
+          </a:stretch>
+        </p:blipFill>
+        <p:spPr>
+          <a:xfrm>
+            <a:off x="3088969" y="615207"/>
+            <a:ext cx="2646000" cy="2520000"/>
+          </a:xfrm>
+          <a:prstGeom prst="rect">
+            <a:avLst/>
+          </a:prstGeom>
+        </p:spPr>
+      </p:pic>
+      <p:pic>
+        <p:nvPicPr>
+          <p:cNvPr id="10" name="그림 9" descr="낱말맞추기게임, 텍스트이(가) 표시된 사진&#10;&#10;매우 높은 신뢰도로 생성된 설명">
+            <a:extLst>
+              <a:ext uri="{FF2B5EF4-FFF2-40B4-BE49-F238E27FC236}">
+                <a16:creationId xmlns:a16="http://schemas.microsoft.com/office/drawing/2014/main" id="{6724E366-480D-4C3C-9F65-A3ED44B22E05}"/>
+              </a:ext>
+            </a:extLst>
+          </p:cNvPr>
+          <p:cNvPicPr>
+            <a:picLocks noChangeAspect="1"/>
+          </p:cNvPicPr>
+          <p:nvPr/>
+        </p:nvPicPr>
+        <p:blipFill>
+          <a:blip r:embed="rId5">
+            <a:extLst>
+              <a:ext uri="{28A0092B-C50C-407E-A947-70E740481C1C}">
+                <a14:useLocalDpi xmlns:a14="http://schemas.microsoft.com/office/drawing/2010/main" val="0"/>
+              </a:ext>
+            </a:extLst>
+          </a:blip>
+          <a:stretch>
+            <a:fillRect/>
+          </a:stretch>
+        </p:blipFill>
+        <p:spPr>
+          <a:xfrm>
+            <a:off x="6221842" y="3558856"/>
+            <a:ext cx="2646000" cy="2520000"/>
+          </a:xfrm>
+          <a:prstGeom prst="rect">
+            <a:avLst/>
+          </a:prstGeom>
+        </p:spPr>
+      </p:pic>
+    </p:spTree>
+    <p:extLst>
+      <p:ext uri="{BB962C8B-B14F-4D97-AF65-F5344CB8AC3E}">
+        <p14:creationId xmlns:p14="http://schemas.microsoft.com/office/powerpoint/2010/main" val="2417345132"/>
+      </p:ext>
+    </p:extLst>
+  </p:cSld>
+  <p:clrMapOvr>
+    <a:masterClrMapping/>
+  </p:clrMapOvr>
+</p:sld>
+</file>
+
+<file path=ppt/slides/slide18.xml><?xml version="1.0" encoding="utf-8"?>
+<p:sld xmlns:a="http://schemas.openxmlformats.org/drawingml/2006/main" xmlns:r="http://schemas.openxmlformats.org/officeDocument/2006/relationships" xmlns:p="http://schemas.openxmlformats.org/presentationml/2006/main">
+  <p:cSld>
+    <p:spTree>
+      <p:nvGrpSpPr>
+        <p:cNvPr id="1" name=""/>
+        <p:cNvGrpSpPr/>
+        <p:nvPr/>
+      </p:nvGrpSpPr>
+      <p:grpSpPr>
+        <a:xfrm>
+          <a:off x="0" y="0"/>
+          <a:ext cx="0" cy="0"/>
+          <a:chOff x="0" y="0"/>
+          <a:chExt cx="0" cy="0"/>
+        </a:xfrm>
+      </p:grpSpPr>
+      <p:sp>
+        <p:nvSpPr>
+          <p:cNvPr id="11" name="TextBox 10">
+            <a:extLst>
+              <a:ext uri="{FF2B5EF4-FFF2-40B4-BE49-F238E27FC236}">
+                <a16:creationId xmlns:a16="http://schemas.microsoft.com/office/drawing/2014/main" id="{28FFAA72-E134-4653-B63E-A5702097509D}"/>
+              </a:ext>
+            </a:extLst>
+          </p:cNvPr>
+          <p:cNvSpPr txBox="1"/>
+          <p:nvPr/>
+        </p:nvSpPr>
+        <p:spPr>
+          <a:xfrm>
+            <a:off x="3411627" y="3059666"/>
+            <a:ext cx="2000684" cy="369332"/>
+          </a:xfrm>
+          <a:prstGeom prst="rect">
+            <a:avLst/>
+          </a:prstGeom>
+          <a:noFill/>
+        </p:spPr>
+        <p:txBody>
+          <a:bodyPr wrap="square" rtlCol="0">
+            <a:spAutoFit/>
+          </a:bodyPr>
+          <a:lstStyle/>
+          <a:p>
+            <a:pPr algn="ctr"/>
+            <a:r>
+              <a:rPr lang="en-US" altLang="ko-KR" dirty="0"/>
+              <a:t>ref</a:t>
+            </a:r>
+            <a:endParaRPr lang="ko-KR" altLang="en-US" dirty="0"/>
+          </a:p>
+        </p:txBody>
+      </p:sp>
+      <p:sp>
+        <p:nvSpPr>
+          <p:cNvPr id="13" name="TextBox 12">
+            <a:extLst>
+              <a:ext uri="{FF2B5EF4-FFF2-40B4-BE49-F238E27FC236}">
+                <a16:creationId xmlns:a16="http://schemas.microsoft.com/office/drawing/2014/main" id="{3E6864DC-50A1-4595-AB46-F00778F33040}"/>
+              </a:ext>
+            </a:extLst>
+          </p:cNvPr>
+          <p:cNvSpPr txBox="1"/>
+          <p:nvPr/>
+        </p:nvSpPr>
+        <p:spPr>
+          <a:xfrm>
+            <a:off x="6544500" y="3057021"/>
+            <a:ext cx="2000684" cy="369332"/>
+          </a:xfrm>
+          <a:prstGeom prst="rect">
+            <a:avLst/>
+          </a:prstGeom>
+          <a:noFill/>
+        </p:spPr>
+        <p:txBody>
+          <a:bodyPr wrap="square" rtlCol="0">
+            <a:spAutoFit/>
+          </a:bodyPr>
+          <a:lstStyle/>
+          <a:p>
+            <a:pPr algn="ctr"/>
+            <a:r>
+              <a:rPr lang="en-US" altLang="ko-KR" dirty="0"/>
+              <a:t>input</a:t>
+            </a:r>
+            <a:endParaRPr lang="ko-KR" altLang="en-US" dirty="0"/>
+          </a:p>
+        </p:txBody>
+      </p:sp>
+      <p:sp>
+        <p:nvSpPr>
+          <p:cNvPr id="15" name="TextBox 14">
+            <a:extLst>
+              <a:ext uri="{FF2B5EF4-FFF2-40B4-BE49-F238E27FC236}">
+                <a16:creationId xmlns:a16="http://schemas.microsoft.com/office/drawing/2014/main" id="{22FBD5F9-4E3A-4D78-A460-541304D7BCDD}"/>
+              </a:ext>
+            </a:extLst>
+          </p:cNvPr>
+          <p:cNvSpPr txBox="1"/>
+          <p:nvPr/>
+        </p:nvSpPr>
+        <p:spPr>
+          <a:xfrm>
+            <a:off x="3373078" y="6061646"/>
+            <a:ext cx="2000684" cy="369332"/>
+          </a:xfrm>
+          <a:prstGeom prst="rect">
+            <a:avLst/>
+          </a:prstGeom>
+          <a:noFill/>
+        </p:spPr>
+        <p:txBody>
+          <a:bodyPr wrap="square" rtlCol="0">
+            <a:spAutoFit/>
+          </a:bodyPr>
+          <a:lstStyle/>
+          <a:p>
+            <a:pPr algn="ctr"/>
+            <a:r>
+              <a:rPr lang="en-US" altLang="ko-KR" dirty="0"/>
+              <a:t>Ground True</a:t>
+            </a:r>
+            <a:endParaRPr lang="ko-KR" altLang="en-US" dirty="0"/>
+          </a:p>
+        </p:txBody>
+      </p:sp>
+      <p:sp>
+        <p:nvSpPr>
+          <p:cNvPr id="17" name="TextBox 16">
+            <a:extLst>
+              <a:ext uri="{FF2B5EF4-FFF2-40B4-BE49-F238E27FC236}">
+                <a16:creationId xmlns:a16="http://schemas.microsoft.com/office/drawing/2014/main" id="{2642FA87-C1E8-4A1B-B22B-4F7E059003F5}"/>
+              </a:ext>
+            </a:extLst>
+          </p:cNvPr>
+          <p:cNvSpPr txBox="1"/>
+          <p:nvPr/>
+        </p:nvSpPr>
+        <p:spPr>
+          <a:xfrm>
+            <a:off x="6544500" y="6036406"/>
+            <a:ext cx="2000684" cy="369332"/>
+          </a:xfrm>
+          <a:prstGeom prst="rect">
+            <a:avLst/>
+          </a:prstGeom>
+          <a:noFill/>
+        </p:spPr>
+        <p:txBody>
+          <a:bodyPr wrap="square" rtlCol="0">
+            <a:spAutoFit/>
+          </a:bodyPr>
+          <a:lstStyle/>
+          <a:p>
+            <a:pPr algn="ctr"/>
+            <a:r>
+              <a:rPr lang="en-US" altLang="ko-KR" dirty="0"/>
+              <a:t>result</a:t>
+            </a:r>
+            <a:endParaRPr lang="ko-KR" altLang="en-US" dirty="0"/>
+          </a:p>
+        </p:txBody>
+      </p:sp>
+      <p:sp>
+        <p:nvSpPr>
+          <p:cNvPr id="2" name="TextBox 1">
+            <a:extLst>
+              <a:ext uri="{FF2B5EF4-FFF2-40B4-BE49-F238E27FC236}">
+                <a16:creationId xmlns:a16="http://schemas.microsoft.com/office/drawing/2014/main" id="{8D98B499-58A1-4F03-8291-C89E10D7566A}"/>
+              </a:ext>
+            </a:extLst>
+          </p:cNvPr>
+          <p:cNvSpPr txBox="1"/>
+          <p:nvPr/>
+        </p:nvSpPr>
+        <p:spPr>
+          <a:xfrm>
+            <a:off x="222011" y="410976"/>
+            <a:ext cx="2530426" cy="369332"/>
+          </a:xfrm>
+          <a:prstGeom prst="rect">
+            <a:avLst/>
+          </a:prstGeom>
+          <a:noFill/>
+        </p:spPr>
+        <p:txBody>
+          <a:bodyPr wrap="square" rtlCol="0">
+            <a:spAutoFit/>
+          </a:bodyPr>
+          <a:lstStyle/>
+          <a:p>
+            <a:r>
+              <a:rPr lang="en-US" altLang="ko-KR" dirty="0"/>
+              <a:t>Conditional dcgans_v5</a:t>
+            </a:r>
+          </a:p>
+        </p:txBody>
+      </p:sp>
+      <p:pic>
+        <p:nvPicPr>
+          <p:cNvPr id="4" name="그림 3" descr="낱말맞추기게임, 텍스트이(가) 표시된 사진&#10;&#10;매우 높은 신뢰도로 생성된 설명">
+            <a:extLst>
+              <a:ext uri="{FF2B5EF4-FFF2-40B4-BE49-F238E27FC236}">
+                <a16:creationId xmlns:a16="http://schemas.microsoft.com/office/drawing/2014/main" id="{CA111583-497A-4E71-9FF9-DA93451BDD5D}"/>
+              </a:ext>
+            </a:extLst>
+          </p:cNvPr>
+          <p:cNvPicPr>
+            <a:picLocks noChangeAspect="1"/>
+          </p:cNvPicPr>
+          <p:nvPr/>
+        </p:nvPicPr>
+        <p:blipFill>
+          <a:blip r:embed="rId2">
+            <a:extLst>
+              <a:ext uri="{28A0092B-C50C-407E-A947-70E740481C1C}">
+                <a14:useLocalDpi xmlns:a14="http://schemas.microsoft.com/office/drawing/2010/main" val="0"/>
+              </a:ext>
+            </a:extLst>
+          </a:blip>
+          <a:stretch>
+            <a:fillRect/>
+          </a:stretch>
+        </p:blipFill>
+        <p:spPr>
+          <a:xfrm>
+            <a:off x="3164139" y="3516406"/>
+            <a:ext cx="2646000" cy="2520000"/>
+          </a:xfrm>
+          <a:prstGeom prst="rect">
+            <a:avLst/>
+          </a:prstGeom>
+        </p:spPr>
+      </p:pic>
+      <p:pic>
+        <p:nvPicPr>
+          <p:cNvPr id="6" name="그림 5">
+            <a:extLst>
+              <a:ext uri="{FF2B5EF4-FFF2-40B4-BE49-F238E27FC236}">
+                <a16:creationId xmlns:a16="http://schemas.microsoft.com/office/drawing/2014/main" id="{8FAAA4C8-9B08-47C0-88E7-FE6FB62081F7}"/>
+              </a:ext>
+            </a:extLst>
+          </p:cNvPr>
+          <p:cNvPicPr>
+            <a:picLocks noChangeAspect="1"/>
+          </p:cNvPicPr>
+          <p:nvPr/>
+        </p:nvPicPr>
+        <p:blipFill>
+          <a:blip r:embed="rId3">
+            <a:extLst>
+              <a:ext uri="{28A0092B-C50C-407E-A947-70E740481C1C}">
+                <a14:useLocalDpi xmlns:a14="http://schemas.microsoft.com/office/drawing/2010/main" val="0"/>
+              </a:ext>
+            </a:extLst>
+          </a:blip>
+          <a:stretch>
+            <a:fillRect/>
+          </a:stretch>
+        </p:blipFill>
+        <p:spPr>
+          <a:xfrm>
+            <a:off x="6221842" y="613029"/>
+            <a:ext cx="2646000" cy="2520000"/>
+          </a:xfrm>
+          <a:prstGeom prst="rect">
+            <a:avLst/>
+          </a:prstGeom>
+        </p:spPr>
+      </p:pic>
+      <p:pic>
+        <p:nvPicPr>
+          <p:cNvPr id="8" name="그림 7">
+            <a:extLst>
+              <a:ext uri="{FF2B5EF4-FFF2-40B4-BE49-F238E27FC236}">
+                <a16:creationId xmlns:a16="http://schemas.microsoft.com/office/drawing/2014/main" id="{0E729F0A-E74B-4D6E-A0A0-F00E31C884F3}"/>
+              </a:ext>
+            </a:extLst>
+          </p:cNvPr>
+          <p:cNvPicPr>
+            <a:picLocks noChangeAspect="1"/>
+          </p:cNvPicPr>
+          <p:nvPr/>
+        </p:nvPicPr>
+        <p:blipFill>
+          <a:blip r:embed="rId4">
+            <a:extLst>
+              <a:ext uri="{28A0092B-C50C-407E-A947-70E740481C1C}">
+                <a14:useLocalDpi xmlns:a14="http://schemas.microsoft.com/office/drawing/2010/main" val="0"/>
+              </a:ext>
+            </a:extLst>
+          </a:blip>
+          <a:stretch>
+            <a:fillRect/>
+          </a:stretch>
+        </p:blipFill>
+        <p:spPr>
+          <a:xfrm>
+            <a:off x="3164139" y="613029"/>
+            <a:ext cx="2646000" cy="2520000"/>
+          </a:xfrm>
+          <a:prstGeom prst="rect">
+            <a:avLst/>
+          </a:prstGeom>
+        </p:spPr>
+      </p:pic>
+      <p:pic>
+        <p:nvPicPr>
+          <p:cNvPr id="10" name="그림 9" descr="낱말맞추기게임, 텍스트이(가) 표시된 사진&#10;&#10;매우 높은 신뢰도로 생성된 설명">
+            <a:extLst>
+              <a:ext uri="{FF2B5EF4-FFF2-40B4-BE49-F238E27FC236}">
+                <a16:creationId xmlns:a16="http://schemas.microsoft.com/office/drawing/2014/main" id="{EAF399B9-AFCE-48A9-BD3B-B24EB0E3F756}"/>
+              </a:ext>
+            </a:extLst>
+          </p:cNvPr>
+          <p:cNvPicPr>
+            <a:picLocks noChangeAspect="1"/>
+          </p:cNvPicPr>
+          <p:nvPr/>
+        </p:nvPicPr>
+        <p:blipFill>
+          <a:blip r:embed="rId5">
+            <a:extLst>
+              <a:ext uri="{28A0092B-C50C-407E-A947-70E740481C1C}">
+                <a14:useLocalDpi xmlns:a14="http://schemas.microsoft.com/office/drawing/2010/main" val="0"/>
+              </a:ext>
+            </a:extLst>
+          </a:blip>
+          <a:stretch>
+            <a:fillRect/>
+          </a:stretch>
+        </p:blipFill>
+        <p:spPr>
+          <a:xfrm>
+            <a:off x="6304970" y="3516406"/>
+            <a:ext cx="2646000" cy="2520000"/>
+          </a:xfrm>
+          <a:prstGeom prst="rect">
+            <a:avLst/>
+          </a:prstGeom>
+        </p:spPr>
+      </p:pic>
+    </p:spTree>
+    <p:extLst>
+      <p:ext uri="{BB962C8B-B14F-4D97-AF65-F5344CB8AC3E}">
+        <p14:creationId xmlns:p14="http://schemas.microsoft.com/office/powerpoint/2010/main" val="2325984240"/>
+      </p:ext>
+    </p:extLst>
+  </p:cSld>
+  <p:clrMapOvr>
+    <a:masterClrMapping/>
+  </p:clrMapOvr>
+</p:sld>
+</file>
+
+<file path=ppt/slides/slide19.xml><?xml version="1.0" encoding="utf-8"?>
+<p:sld xmlns:a="http://schemas.openxmlformats.org/drawingml/2006/main" xmlns:r="http://schemas.openxmlformats.org/officeDocument/2006/relationships" xmlns:p="http://schemas.openxmlformats.org/presentationml/2006/main">
+  <p:cSld>
+    <p:spTree>
+      <p:nvGrpSpPr>
+        <p:cNvPr id="1" name=""/>
+        <p:cNvGrpSpPr/>
+        <p:nvPr/>
+      </p:nvGrpSpPr>
+      <p:grpSpPr>
+        <a:xfrm>
+          <a:off x="0" y="0"/>
+          <a:ext cx="0" cy="0"/>
+          <a:chOff x="0" y="0"/>
+          <a:chExt cx="0" cy="0"/>
+        </a:xfrm>
+      </p:grpSpPr>
+      <p:sp>
+        <p:nvSpPr>
+          <p:cNvPr id="11" name="TextBox 10">
+            <a:extLst>
+              <a:ext uri="{FF2B5EF4-FFF2-40B4-BE49-F238E27FC236}">
+                <a16:creationId xmlns:a16="http://schemas.microsoft.com/office/drawing/2014/main" id="{28FFAA72-E134-4653-B63E-A5702097509D}"/>
+              </a:ext>
+            </a:extLst>
+          </p:cNvPr>
+          <p:cNvSpPr txBox="1"/>
+          <p:nvPr/>
+        </p:nvSpPr>
+        <p:spPr>
+          <a:xfrm>
+            <a:off x="3411627" y="3059666"/>
+            <a:ext cx="2000684" cy="369332"/>
+          </a:xfrm>
+          <a:prstGeom prst="rect">
+            <a:avLst/>
+          </a:prstGeom>
+          <a:noFill/>
+        </p:spPr>
+        <p:txBody>
+          <a:bodyPr wrap="square" rtlCol="0">
+            <a:spAutoFit/>
+          </a:bodyPr>
+          <a:lstStyle/>
+          <a:p>
+            <a:pPr algn="ctr"/>
+            <a:r>
+              <a:rPr lang="en-US" altLang="ko-KR" dirty="0"/>
+              <a:t>ref</a:t>
+            </a:r>
+            <a:endParaRPr lang="ko-KR" altLang="en-US" dirty="0"/>
+          </a:p>
+        </p:txBody>
+      </p:sp>
+      <p:sp>
+        <p:nvSpPr>
+          <p:cNvPr id="13" name="TextBox 12">
+            <a:extLst>
+              <a:ext uri="{FF2B5EF4-FFF2-40B4-BE49-F238E27FC236}">
+                <a16:creationId xmlns:a16="http://schemas.microsoft.com/office/drawing/2014/main" id="{3E6864DC-50A1-4595-AB46-F00778F33040}"/>
+              </a:ext>
+            </a:extLst>
+          </p:cNvPr>
+          <p:cNvSpPr txBox="1"/>
+          <p:nvPr/>
+        </p:nvSpPr>
+        <p:spPr>
+          <a:xfrm>
+            <a:off x="6544500" y="3057021"/>
+            <a:ext cx="2000684" cy="369332"/>
+          </a:xfrm>
+          <a:prstGeom prst="rect">
+            <a:avLst/>
+          </a:prstGeom>
+          <a:noFill/>
+        </p:spPr>
+        <p:txBody>
+          <a:bodyPr wrap="square" rtlCol="0">
+            <a:spAutoFit/>
+          </a:bodyPr>
+          <a:lstStyle/>
+          <a:p>
+            <a:pPr algn="ctr"/>
+            <a:r>
+              <a:rPr lang="en-US" altLang="ko-KR" dirty="0"/>
+              <a:t>input</a:t>
+            </a:r>
+            <a:endParaRPr lang="ko-KR" altLang="en-US" dirty="0"/>
+          </a:p>
+        </p:txBody>
+      </p:sp>
+      <p:sp>
+        <p:nvSpPr>
+          <p:cNvPr id="15" name="TextBox 14">
+            <a:extLst>
+              <a:ext uri="{FF2B5EF4-FFF2-40B4-BE49-F238E27FC236}">
+                <a16:creationId xmlns:a16="http://schemas.microsoft.com/office/drawing/2014/main" id="{22FBD5F9-4E3A-4D78-A460-541304D7BCDD}"/>
+              </a:ext>
+            </a:extLst>
+          </p:cNvPr>
+          <p:cNvSpPr txBox="1"/>
+          <p:nvPr/>
+        </p:nvSpPr>
+        <p:spPr>
+          <a:xfrm>
+            <a:off x="3373078" y="6061646"/>
+            <a:ext cx="2000684" cy="369332"/>
+          </a:xfrm>
+          <a:prstGeom prst="rect">
+            <a:avLst/>
+          </a:prstGeom>
+          <a:noFill/>
+        </p:spPr>
+        <p:txBody>
+          <a:bodyPr wrap="square" rtlCol="0">
+            <a:spAutoFit/>
+          </a:bodyPr>
+          <a:lstStyle/>
+          <a:p>
+            <a:pPr algn="ctr"/>
+            <a:r>
+              <a:rPr lang="en-US" altLang="ko-KR" dirty="0"/>
+              <a:t>Ground True</a:t>
+            </a:r>
+            <a:endParaRPr lang="ko-KR" altLang="en-US" dirty="0"/>
+          </a:p>
+        </p:txBody>
+      </p:sp>
+      <p:sp>
+        <p:nvSpPr>
+          <p:cNvPr id="17" name="TextBox 16">
+            <a:extLst>
+              <a:ext uri="{FF2B5EF4-FFF2-40B4-BE49-F238E27FC236}">
+                <a16:creationId xmlns:a16="http://schemas.microsoft.com/office/drawing/2014/main" id="{2642FA87-C1E8-4A1B-B22B-4F7E059003F5}"/>
+              </a:ext>
+            </a:extLst>
+          </p:cNvPr>
+          <p:cNvSpPr txBox="1"/>
+          <p:nvPr/>
+        </p:nvSpPr>
+        <p:spPr>
+          <a:xfrm>
+            <a:off x="6544500" y="6036406"/>
+            <a:ext cx="2000684" cy="369332"/>
+          </a:xfrm>
+          <a:prstGeom prst="rect">
+            <a:avLst/>
+          </a:prstGeom>
+          <a:noFill/>
+        </p:spPr>
+        <p:txBody>
+          <a:bodyPr wrap="square" rtlCol="0">
+            <a:spAutoFit/>
+          </a:bodyPr>
+          <a:lstStyle/>
+          <a:p>
+            <a:pPr algn="ctr"/>
+            <a:r>
+              <a:rPr lang="en-US" altLang="ko-KR" dirty="0"/>
+              <a:t>result</a:t>
+            </a:r>
+            <a:endParaRPr lang="ko-KR" altLang="en-US" dirty="0"/>
+          </a:p>
+        </p:txBody>
+      </p:sp>
+      <p:sp>
+        <p:nvSpPr>
+          <p:cNvPr id="2" name="TextBox 1">
+            <a:extLst>
+              <a:ext uri="{FF2B5EF4-FFF2-40B4-BE49-F238E27FC236}">
+                <a16:creationId xmlns:a16="http://schemas.microsoft.com/office/drawing/2014/main" id="{8D98B499-58A1-4F03-8291-C89E10D7566A}"/>
+              </a:ext>
+            </a:extLst>
+          </p:cNvPr>
+          <p:cNvSpPr txBox="1"/>
+          <p:nvPr/>
+        </p:nvSpPr>
+        <p:spPr>
+          <a:xfrm>
+            <a:off x="222011" y="410976"/>
+            <a:ext cx="2530426" cy="369332"/>
+          </a:xfrm>
+          <a:prstGeom prst="rect">
+            <a:avLst/>
+          </a:prstGeom>
+          <a:noFill/>
+        </p:spPr>
+        <p:txBody>
+          <a:bodyPr wrap="square" rtlCol="0">
+            <a:spAutoFit/>
+          </a:bodyPr>
+          <a:lstStyle/>
+          <a:p>
+            <a:r>
+              <a:rPr lang="en-US" altLang="ko-KR" dirty="0"/>
+              <a:t>Conditional dcgans_v6</a:t>
+            </a:r>
+          </a:p>
+        </p:txBody>
+      </p:sp>
+      <p:pic>
+        <p:nvPicPr>
+          <p:cNvPr id="4" name="그림 3" descr="텍스트, 낱말맞추기게임이(가) 표시된 사진&#10;&#10;매우 높은 신뢰도로 생성된 설명">
+            <a:extLst>
+              <a:ext uri="{FF2B5EF4-FFF2-40B4-BE49-F238E27FC236}">
+                <a16:creationId xmlns:a16="http://schemas.microsoft.com/office/drawing/2014/main" id="{A7A87394-C9D0-488B-BFC6-C1ACBF06170E}"/>
+              </a:ext>
+            </a:extLst>
+          </p:cNvPr>
+          <p:cNvPicPr>
+            <a:picLocks noChangeAspect="1"/>
+          </p:cNvPicPr>
+          <p:nvPr/>
+        </p:nvPicPr>
+        <p:blipFill>
+          <a:blip r:embed="rId2">
+            <a:extLst>
+              <a:ext uri="{28A0092B-C50C-407E-A947-70E740481C1C}">
+                <a14:useLocalDpi xmlns:a14="http://schemas.microsoft.com/office/drawing/2010/main" val="0"/>
+              </a:ext>
+            </a:extLst>
+          </a:blip>
+          <a:stretch>
+            <a:fillRect/>
+          </a:stretch>
+        </p:blipFill>
+        <p:spPr>
+          <a:xfrm>
+            <a:off x="3164139" y="3565359"/>
+            <a:ext cx="2646000" cy="2520000"/>
+          </a:xfrm>
+          <a:prstGeom prst="rect">
+            <a:avLst/>
+          </a:prstGeom>
+        </p:spPr>
+      </p:pic>
+      <p:pic>
+        <p:nvPicPr>
+          <p:cNvPr id="6" name="그림 5">
+            <a:extLst>
+              <a:ext uri="{FF2B5EF4-FFF2-40B4-BE49-F238E27FC236}">
+                <a16:creationId xmlns:a16="http://schemas.microsoft.com/office/drawing/2014/main" id="{37E678A2-4219-45EA-9FE2-D859D5004138}"/>
+              </a:ext>
+            </a:extLst>
+          </p:cNvPr>
+          <p:cNvPicPr>
+            <a:picLocks noChangeAspect="1"/>
+          </p:cNvPicPr>
+          <p:nvPr/>
+        </p:nvPicPr>
+        <p:blipFill>
+          <a:blip r:embed="rId3">
+            <a:extLst>
+              <a:ext uri="{28A0092B-C50C-407E-A947-70E740481C1C}">
+                <a14:useLocalDpi xmlns:a14="http://schemas.microsoft.com/office/drawing/2010/main" val="0"/>
+              </a:ext>
+            </a:extLst>
+          </a:blip>
+          <a:stretch>
+            <a:fillRect/>
+          </a:stretch>
+        </p:blipFill>
+        <p:spPr>
+          <a:xfrm>
+            <a:off x="6381863" y="595642"/>
+            <a:ext cx="2646000" cy="2520000"/>
+          </a:xfrm>
+          <a:prstGeom prst="rect">
+            <a:avLst/>
+          </a:prstGeom>
+        </p:spPr>
+      </p:pic>
+      <p:pic>
+        <p:nvPicPr>
+          <p:cNvPr id="8" name="그림 7" descr="텍스트이(가) 표시된 사진&#10;&#10;매우 높은 신뢰도로 생성된 설명">
+            <a:extLst>
+              <a:ext uri="{FF2B5EF4-FFF2-40B4-BE49-F238E27FC236}">
+                <a16:creationId xmlns:a16="http://schemas.microsoft.com/office/drawing/2014/main" id="{D9744416-124F-44E9-BC60-ADEC3A003703}"/>
+              </a:ext>
+            </a:extLst>
+          </p:cNvPr>
+          <p:cNvPicPr>
+            <a:picLocks noChangeAspect="1"/>
+          </p:cNvPicPr>
+          <p:nvPr/>
+        </p:nvPicPr>
+        <p:blipFill>
+          <a:blip r:embed="rId4">
+            <a:extLst>
+              <a:ext uri="{28A0092B-C50C-407E-A947-70E740481C1C}">
+                <a14:useLocalDpi xmlns:a14="http://schemas.microsoft.com/office/drawing/2010/main" val="0"/>
+              </a:ext>
+            </a:extLst>
+          </a:blip>
+          <a:stretch>
+            <a:fillRect/>
+          </a:stretch>
+        </p:blipFill>
+        <p:spPr>
+          <a:xfrm>
+            <a:off x="3164139" y="595642"/>
+            <a:ext cx="2646000" cy="2520000"/>
+          </a:xfrm>
+          <a:prstGeom prst="rect">
+            <a:avLst/>
+          </a:prstGeom>
+        </p:spPr>
+      </p:pic>
+      <p:pic>
+        <p:nvPicPr>
+          <p:cNvPr id="10" name="그림 9" descr="텍스트이(가) 표시된 사진&#10;&#10;높은 신뢰도로 생성된 설명">
+            <a:extLst>
+              <a:ext uri="{FF2B5EF4-FFF2-40B4-BE49-F238E27FC236}">
+                <a16:creationId xmlns:a16="http://schemas.microsoft.com/office/drawing/2014/main" id="{1090CF91-4C55-4DBE-BDB0-1CD1E3AA51E2}"/>
+              </a:ext>
+            </a:extLst>
+          </p:cNvPr>
+          <p:cNvPicPr>
+            <a:picLocks noChangeAspect="1"/>
+          </p:cNvPicPr>
+          <p:nvPr/>
+        </p:nvPicPr>
+        <p:blipFill>
+          <a:blip r:embed="rId5">
+            <a:extLst>
+              <a:ext uri="{28A0092B-C50C-407E-A947-70E740481C1C}">
+                <a14:useLocalDpi xmlns:a14="http://schemas.microsoft.com/office/drawing/2010/main" val="0"/>
+              </a:ext>
+            </a:extLst>
+          </a:blip>
+          <a:stretch>
+            <a:fillRect/>
+          </a:stretch>
+        </p:blipFill>
+        <p:spPr>
+          <a:xfrm>
+            <a:off x="6381863" y="3565359"/>
+            <a:ext cx="2646000" cy="2520000"/>
+          </a:xfrm>
+          <a:prstGeom prst="rect">
+            <a:avLst/>
+          </a:prstGeom>
+        </p:spPr>
+      </p:pic>
+    </p:spTree>
+    <p:extLst>
+      <p:ext uri="{BB962C8B-B14F-4D97-AF65-F5344CB8AC3E}">
+        <p14:creationId xmlns:p14="http://schemas.microsoft.com/office/powerpoint/2010/main" val="3553955004"/>
       </p:ext>
     </p:extLst>
   </p:cSld>
